--- a/2022년 2월 12일 용접자동화로봇.pptx
+++ b/2022년 2월 12일 용접자동화로봇.pptx
@@ -133,7 +133,7 @@
   </p:defaultTextStyle>
   <p:extLst>
     <p:ext uri="{EFAFB233-063F-42B5-8137-9DF3F51BA10A}">
-      <p15:sldGuideLst xmlns:p15="http://schemas.microsoft.com/office/powerpoint/2012/main" xmlns="">
+      <p15:sldGuideLst xmlns="" xmlns:p15="http://schemas.microsoft.com/office/powerpoint/2012/main">
         <p15:guide id="1" orient="horz" pos="2159">
           <p15:clr>
             <a:srgbClr val="A4A3A4"/>
@@ -147,7 +147,7 @@
       </p15:sldGuideLst>
     </p:ext>
     <p:ext uri="{2D200454-40CA-4A62-9FC3-DE9A4176ACB9}">
-      <p15:notesGuideLst xmlns:p15="http://schemas.microsoft.com/office/powerpoint/2012/main" xmlns="">
+      <p15:notesGuideLst xmlns="" xmlns:p15="http://schemas.microsoft.com/office/powerpoint/2012/main">
         <p15:guide id="1" orient="horz" pos="3130">
           <p15:clr>
             <a:srgbClr val="A4A3A4"/>
@@ -261,7 +261,7 @@
               <a:pPr lvl="0">
                 <a:defRPr/>
               </a:pPr>
-              <a:t>2022-02-11</a:t>
+              <a:t>2022-02-12</a:t>
             </a:fld>
             <a:endParaRPr lang="ko-KR" altLang="en-US" dirty="0">
               <a:latin typeface="210 옴니고딕 030" panose="02020603020101020101" pitchFamily="18" charset="-127"/>
@@ -357,7 +357,7 @@
     </p:spTree>
     <p:extLst>
       <p:ext uri="{BB962C8B-B14F-4D97-AF65-F5344CB8AC3E}">
-        <p14:creationId xmlns:p14="http://schemas.microsoft.com/office/powerpoint/2010/main" xmlns="" val="1"/>
+        <p14:creationId xmlns="" xmlns:p14="http://schemas.microsoft.com/office/powerpoint/2010/main" val="1"/>
       </p:ext>
     </p:extLst>
   </p:cSld>
@@ -463,7 +463,7 @@
               <a:pPr>
                 <a:defRPr/>
               </a:pPr>
-              <a:t>2022-02-11</a:t>
+              <a:t>2022-02-12</a:t>
             </a:fld>
             <a:endParaRPr lang="ko-KR" altLang="en-US" dirty="0"/>
           </a:p>
@@ -871,7 +871,7 @@
     </p:spTree>
     <p:extLst>
       <p:ext uri="{BB962C8B-B14F-4D97-AF65-F5344CB8AC3E}">
-        <p14:creationId xmlns:p14="http://schemas.microsoft.com/office/powerpoint/2010/main" xmlns="" val="640019780"/>
+        <p14:creationId xmlns="" xmlns:p14="http://schemas.microsoft.com/office/powerpoint/2010/main" val="640019780"/>
       </p:ext>
     </p:extLst>
   </p:cSld>
@@ -935,7 +935,7 @@
     </p:spTree>
     <p:extLst>
       <p:ext uri="{BB962C8B-B14F-4D97-AF65-F5344CB8AC3E}">
-        <p14:creationId xmlns:p14="http://schemas.microsoft.com/office/powerpoint/2010/main" xmlns="" val="2920041046"/>
+        <p14:creationId xmlns="" xmlns:p14="http://schemas.microsoft.com/office/powerpoint/2010/main" val="2920041046"/>
       </p:ext>
     </p:extLst>
   </p:cSld>
@@ -999,7 +999,7 @@
     </p:spTree>
     <p:extLst>
       <p:ext uri="{BB962C8B-B14F-4D97-AF65-F5344CB8AC3E}">
-        <p14:creationId xmlns:p14="http://schemas.microsoft.com/office/powerpoint/2010/main" xmlns="" val="1419253791"/>
+        <p14:creationId xmlns="" xmlns:p14="http://schemas.microsoft.com/office/powerpoint/2010/main" val="1419253791"/>
       </p:ext>
     </p:extLst>
   </p:cSld>
@@ -1063,7 +1063,7 @@
     </p:spTree>
     <p:extLst>
       <p:ext uri="{BB962C8B-B14F-4D97-AF65-F5344CB8AC3E}">
-        <p14:creationId xmlns:p14="http://schemas.microsoft.com/office/powerpoint/2010/main" xmlns="" val="1010460901"/>
+        <p14:creationId xmlns="" xmlns:p14="http://schemas.microsoft.com/office/powerpoint/2010/main" val="1010460901"/>
       </p:ext>
     </p:extLst>
   </p:cSld>
@@ -1127,7 +1127,7 @@
     </p:spTree>
     <p:extLst>
       <p:ext uri="{BB962C8B-B14F-4D97-AF65-F5344CB8AC3E}">
-        <p14:creationId xmlns:p14="http://schemas.microsoft.com/office/powerpoint/2010/main" xmlns="" val="3906107535"/>
+        <p14:creationId xmlns="" xmlns:p14="http://schemas.microsoft.com/office/powerpoint/2010/main" val="3906107535"/>
       </p:ext>
     </p:extLst>
   </p:cSld>
@@ -1191,7 +1191,7 @@
     </p:spTree>
     <p:extLst>
       <p:ext uri="{BB962C8B-B14F-4D97-AF65-F5344CB8AC3E}">
-        <p14:creationId xmlns:p14="http://schemas.microsoft.com/office/powerpoint/2010/main" xmlns="" val="987514661"/>
+        <p14:creationId xmlns="" xmlns:p14="http://schemas.microsoft.com/office/powerpoint/2010/main" val="987514661"/>
       </p:ext>
     </p:extLst>
   </p:cSld>
@@ -1255,7 +1255,7 @@
     </p:spTree>
     <p:extLst>
       <p:ext uri="{BB962C8B-B14F-4D97-AF65-F5344CB8AC3E}">
-        <p14:creationId xmlns:p14="http://schemas.microsoft.com/office/powerpoint/2010/main" xmlns="" val="391056435"/>
+        <p14:creationId xmlns="" xmlns:p14="http://schemas.microsoft.com/office/powerpoint/2010/main" val="391056435"/>
       </p:ext>
     </p:extLst>
   </p:cSld>
@@ -1734,7 +1734,7 @@
     </p:spTree>
     <p:extLst>
       <p:ext uri="{BB962C8B-B14F-4D97-AF65-F5344CB8AC3E}">
-        <p14:creationId xmlns:p14="http://schemas.microsoft.com/office/powerpoint/2010/main" xmlns="" val="2652589270"/>
+        <p14:creationId xmlns="" xmlns:p14="http://schemas.microsoft.com/office/powerpoint/2010/main" val="2652589270"/>
       </p:ext>
     </p:extLst>
   </p:cSld>
@@ -1798,7 +1798,7 @@
     </p:spTree>
     <p:extLst>
       <p:ext uri="{BB962C8B-B14F-4D97-AF65-F5344CB8AC3E}">
-        <p14:creationId xmlns:p14="http://schemas.microsoft.com/office/powerpoint/2010/main" xmlns="" val="2246833101"/>
+        <p14:creationId xmlns="" xmlns:p14="http://schemas.microsoft.com/office/powerpoint/2010/main" val="2246833101"/>
       </p:ext>
     </p:extLst>
   </p:cSld>
@@ -1862,7 +1862,7 @@
     </p:spTree>
     <p:extLst>
       <p:ext uri="{BB962C8B-B14F-4D97-AF65-F5344CB8AC3E}">
-        <p14:creationId xmlns:p14="http://schemas.microsoft.com/office/powerpoint/2010/main" xmlns="" val="1171256101"/>
+        <p14:creationId xmlns="" xmlns:p14="http://schemas.microsoft.com/office/powerpoint/2010/main" val="1171256101"/>
       </p:ext>
     </p:extLst>
   </p:cSld>
@@ -1926,7 +1926,7 @@
     </p:spTree>
     <p:extLst>
       <p:ext uri="{BB962C8B-B14F-4D97-AF65-F5344CB8AC3E}">
-        <p14:creationId xmlns:p14="http://schemas.microsoft.com/office/powerpoint/2010/main" xmlns="" val="2870226585"/>
+        <p14:creationId xmlns="" xmlns:p14="http://schemas.microsoft.com/office/powerpoint/2010/main" val="2870226585"/>
       </p:ext>
     </p:extLst>
   </p:cSld>
@@ -1990,7 +1990,7 @@
     </p:spTree>
     <p:extLst>
       <p:ext uri="{BB962C8B-B14F-4D97-AF65-F5344CB8AC3E}">
-        <p14:creationId xmlns:p14="http://schemas.microsoft.com/office/powerpoint/2010/main" xmlns="" val="1883357348"/>
+        <p14:creationId xmlns="" xmlns:p14="http://schemas.microsoft.com/office/powerpoint/2010/main" val="1883357348"/>
       </p:ext>
     </p:extLst>
   </p:cSld>
@@ -2054,7 +2054,7 @@
     </p:spTree>
     <p:extLst>
       <p:ext uri="{BB962C8B-B14F-4D97-AF65-F5344CB8AC3E}">
-        <p14:creationId xmlns:p14="http://schemas.microsoft.com/office/powerpoint/2010/main" xmlns="" val="2657955026"/>
+        <p14:creationId xmlns="" xmlns:p14="http://schemas.microsoft.com/office/powerpoint/2010/main" val="2657955026"/>
       </p:ext>
     </p:extLst>
   </p:cSld>
@@ -2623,7 +2623,7 @@
             <a:fld id="{9AA08716-9E6A-4A24-8493-A72AA37BBD5C}" type="datetime1">
               <a:rPr lang="ko-KR" altLang="en-US" smtClean="0"/>
               <a:pPr/>
-              <a:t>2022-02-11</a:t>
+              <a:t>2022-02-12</a:t>
             </a:fld>
             <a:endParaRPr lang="ko-KR" altLang="en-US"/>
           </a:p>
@@ -3368,7 +3368,7 @@
             <a:fld id="{23ED893E-93B8-4B8A-8BD5-4FF00A5A9556}" type="datetime1">
               <a:rPr lang="ko-KR" altLang="en-US" smtClean="0"/>
               <a:pPr/>
-              <a:t>2022-02-11</a:t>
+              <a:t>2022-02-12</a:t>
             </a:fld>
             <a:endParaRPr lang="ko-KR" altLang="en-US"/>
           </a:p>
@@ -3680,7 +3680,7 @@
             <a:fld id="{AD83C14E-3BC2-4ABB-AFDC-03F6C50D0B8B}" type="datetime1">
               <a:rPr lang="ko-KR" altLang="en-US" smtClean="0"/>
               <a:pPr/>
-              <a:t>2022-02-11</a:t>
+              <a:t>2022-02-12</a:t>
             </a:fld>
             <a:endParaRPr lang="ko-KR" altLang="en-US"/>
           </a:p>
@@ -3933,7 +3933,7 @@
             <a:fld id="{BCFE353A-24AE-49E2-9FB4-53150C2D7D5F}" type="datetime1">
               <a:rPr lang="ko-KR" altLang="en-US" smtClean="0"/>
               <a:pPr/>
-              <a:t>2022-02-11</a:t>
+              <a:t>2022-02-12</a:t>
             </a:fld>
             <a:endParaRPr lang="ko-KR" altLang="en-US" dirty="0"/>
           </a:p>
@@ -4157,7 +4157,7 @@
             <a:fld id="{45647EB5-D19B-4F20-BDF9-0E9ED1B081AA}" type="datetime1">
               <a:rPr lang="ko-KR" altLang="en-US" smtClean="0"/>
               <a:pPr/>
-              <a:t>2022-02-11</a:t>
+              <a:t>2022-02-12</a:t>
             </a:fld>
             <a:endParaRPr lang="ko-KR" altLang="en-US" dirty="0"/>
           </a:p>
@@ -4381,7 +4381,7 @@
             <a:fld id="{0C02E562-3E81-4222-A4D4-0743A1730EDA}" type="datetime1">
               <a:rPr lang="ko-KR" altLang="en-US" smtClean="0"/>
               <a:pPr/>
-              <a:t>2022-02-11</a:t>
+              <a:t>2022-02-12</a:t>
             </a:fld>
             <a:endParaRPr lang="ko-KR" altLang="en-US" dirty="0"/>
           </a:p>
@@ -5208,7 +5208,7 @@
           <p:cNvPr id="8" name="그림 7">
             <a:extLst>
               <a:ext uri="{FF2B5EF4-FFF2-40B4-BE49-F238E27FC236}">
-                <a16:creationId xmlns:a16="http://schemas.microsoft.com/office/drawing/2014/main" xmlns="" id="{62BD32CB-DFBB-4974-8112-0120D9E81DC6}"/>
+                <a16:creationId xmlns="" xmlns:a16="http://schemas.microsoft.com/office/drawing/2014/main" id="{62BD32CB-DFBB-4974-8112-0120D9E81DC6}"/>
               </a:ext>
             </a:extLst>
           </p:cNvPr>
@@ -5221,7 +5221,7 @@
           <a:blip r:embed="rId3" cstate="print">
             <a:extLst>
               <a:ext uri="{28A0092B-C50C-407E-A947-70E740481C1C}">
-                <a14:useLocalDpi xmlns:a14="http://schemas.microsoft.com/office/drawing/2010/main" xmlns="" val="0"/>
+                <a14:useLocalDpi xmlns="" xmlns:a14="http://schemas.microsoft.com/office/drawing/2010/main" val="0"/>
               </a:ext>
             </a:extLst>
           </a:blip>
@@ -5244,7 +5244,7 @@
           <p:cNvPr id="4" name="슬라이드 번호 개체 틀 3">
             <a:extLst>
               <a:ext uri="{FF2B5EF4-FFF2-40B4-BE49-F238E27FC236}">
-                <a16:creationId xmlns:a16="http://schemas.microsoft.com/office/drawing/2014/main" xmlns="" id="{01DE573C-8BAB-4114-8888-F2A5A62451CA}"/>
+                <a16:creationId xmlns="" xmlns:a16="http://schemas.microsoft.com/office/drawing/2014/main" id="{01DE573C-8BAB-4114-8888-F2A5A62451CA}"/>
               </a:ext>
             </a:extLst>
           </p:cNvPr>
@@ -5274,7 +5274,7 @@
           <p:cNvPr id="11" name="직선 연결선 10">
             <a:extLst>
               <a:ext uri="{FF2B5EF4-FFF2-40B4-BE49-F238E27FC236}">
-                <a16:creationId xmlns:a16="http://schemas.microsoft.com/office/drawing/2014/main" xmlns="" id="{37626B73-C0E6-4FF6-8368-9AE7DB7A2274}"/>
+                <a16:creationId xmlns="" xmlns:a16="http://schemas.microsoft.com/office/drawing/2014/main" id="{37626B73-C0E6-4FF6-8368-9AE7DB7A2274}"/>
               </a:ext>
             </a:extLst>
           </p:cNvPr>
@@ -5624,7 +5624,7 @@
     </p:spTree>
     <p:extLst>
       <p:ext uri="{BB962C8B-B14F-4D97-AF65-F5344CB8AC3E}">
-        <p14:creationId xmlns:p14="http://schemas.microsoft.com/office/powerpoint/2010/main" xmlns="" val="3740584712"/>
+        <p14:creationId xmlns="" xmlns:p14="http://schemas.microsoft.com/office/powerpoint/2010/main" val="3740584712"/>
       </p:ext>
     </p:extLst>
   </p:cSld>
@@ -5632,7 +5632,7 @@
     <a:masterClrMapping/>
   </p:clrMapOvr>
   <mc:AlternateContent xmlns:mc="http://schemas.openxmlformats.org/markup-compatibility/2006">
-    <mc:Choice xmlns:p14="http://schemas.microsoft.com/office/powerpoint/2010/main" xmlns="" Requires="p14">
+    <mc:Choice xmlns="" xmlns:p14="http://schemas.microsoft.com/office/powerpoint/2010/main" Requires="p14">
       <p:transition advTm="250"/>
     </mc:Choice>
     <mc:Fallback>
@@ -5993,7 +5993,7 @@
           <p:cNvPr id="13" name="TextBox 12">
             <a:extLst>
               <a:ext uri="{FF2B5EF4-FFF2-40B4-BE49-F238E27FC236}">
-                <a16:creationId xmlns:a16="http://schemas.microsoft.com/office/drawing/2014/main" xmlns="" id="{9842D489-1E22-4BAC-A4E7-CB30C20D43FB}"/>
+                <a16:creationId xmlns="" xmlns:a16="http://schemas.microsoft.com/office/drawing/2014/main" id="{9842D489-1E22-4BAC-A4E7-CB30C20D43FB}"/>
               </a:ext>
             </a:extLst>
           </p:cNvPr>
@@ -6403,7 +6403,7 @@
     </p:spTree>
     <p:extLst>
       <p:ext uri="{BB962C8B-B14F-4D97-AF65-F5344CB8AC3E}">
-        <p14:creationId xmlns:p14="http://schemas.microsoft.com/office/powerpoint/2010/main" xmlns="" val="326773770"/>
+        <p14:creationId xmlns="" xmlns:p14="http://schemas.microsoft.com/office/powerpoint/2010/main" val="326773770"/>
       </p:ext>
     </p:extLst>
   </p:cSld>
@@ -6411,7 +6411,7 @@
     <a:masterClrMapping/>
   </p:clrMapOvr>
   <mc:AlternateContent xmlns:mc="http://schemas.openxmlformats.org/markup-compatibility/2006">
-    <mc:Choice xmlns:p14="http://schemas.microsoft.com/office/powerpoint/2010/main" xmlns="" Requires="p14">
+    <mc:Choice xmlns="" xmlns:p14="http://schemas.microsoft.com/office/powerpoint/2010/main" Requires="p14">
       <p:transition advTm="203"/>
     </mc:Choice>
     <mc:Fallback>
@@ -6743,7 +6743,7 @@
           <p:cNvPr id="13" name="TextBox 12">
             <a:extLst>
               <a:ext uri="{FF2B5EF4-FFF2-40B4-BE49-F238E27FC236}">
-                <a16:creationId xmlns:a16="http://schemas.microsoft.com/office/drawing/2014/main" xmlns="" id="{9842D489-1E22-4BAC-A4E7-CB30C20D43FB}"/>
+                <a16:creationId xmlns="" xmlns:a16="http://schemas.microsoft.com/office/drawing/2014/main" id="{9842D489-1E22-4BAC-A4E7-CB30C20D43FB}"/>
               </a:ext>
             </a:extLst>
           </p:cNvPr>
@@ -6868,7 +6868,7 @@
     </p:spTree>
     <p:extLst>
       <p:ext uri="{BB962C8B-B14F-4D97-AF65-F5344CB8AC3E}">
-        <p14:creationId xmlns:p14="http://schemas.microsoft.com/office/powerpoint/2010/main" xmlns="" val="2747782853"/>
+        <p14:creationId xmlns="" xmlns:p14="http://schemas.microsoft.com/office/powerpoint/2010/main" val="2747782853"/>
       </p:ext>
     </p:extLst>
   </p:cSld>
@@ -6876,7 +6876,7 @@
     <a:masterClrMapping/>
   </p:clrMapOvr>
   <mc:AlternateContent xmlns:mc="http://schemas.openxmlformats.org/markup-compatibility/2006">
-    <mc:Choice xmlns:p14="http://schemas.microsoft.com/office/powerpoint/2010/main" xmlns="" Requires="p14">
+    <mc:Choice xmlns="" xmlns:p14="http://schemas.microsoft.com/office/powerpoint/2010/main" Requires="p14">
       <p:transition advTm="203"/>
     </mc:Choice>
     <mc:Fallback>
@@ -7194,7 +7194,7 @@
           <p:cNvPr id="13" name="TextBox 12">
             <a:extLst>
               <a:ext uri="{FF2B5EF4-FFF2-40B4-BE49-F238E27FC236}">
-                <a16:creationId xmlns:a16="http://schemas.microsoft.com/office/drawing/2014/main" xmlns="" id="{9842D489-1E22-4BAC-A4E7-CB30C20D43FB}"/>
+                <a16:creationId xmlns="" xmlns:a16="http://schemas.microsoft.com/office/drawing/2014/main" id="{9842D489-1E22-4BAC-A4E7-CB30C20D43FB}"/>
               </a:ext>
             </a:extLst>
           </p:cNvPr>
@@ -7319,7 +7319,7 @@
     </p:spTree>
     <p:extLst>
       <p:ext uri="{BB962C8B-B14F-4D97-AF65-F5344CB8AC3E}">
-        <p14:creationId xmlns:p14="http://schemas.microsoft.com/office/powerpoint/2010/main" xmlns="" val="3779853231"/>
+        <p14:creationId xmlns="" xmlns:p14="http://schemas.microsoft.com/office/powerpoint/2010/main" val="3779853231"/>
       </p:ext>
     </p:extLst>
   </p:cSld>
@@ -7327,7 +7327,7 @@
     <a:masterClrMapping/>
   </p:clrMapOvr>
   <mc:AlternateContent xmlns:mc="http://schemas.openxmlformats.org/markup-compatibility/2006">
-    <mc:Choice xmlns:p14="http://schemas.microsoft.com/office/powerpoint/2010/main" xmlns="" Requires="p14">
+    <mc:Choice xmlns="" xmlns:p14="http://schemas.microsoft.com/office/powerpoint/2010/main" Requires="p14">
       <p:transition advTm="203"/>
     </mc:Choice>
     <mc:Fallback>
@@ -7660,7 +7660,7 @@
           <p:cNvPr id="7" name="TextBox 6">
             <a:extLst>
               <a:ext uri="{FF2B5EF4-FFF2-40B4-BE49-F238E27FC236}">
-                <a16:creationId xmlns:a16="http://schemas.microsoft.com/office/drawing/2014/main" xmlns="" id="{9842D489-1E22-4BAC-A4E7-CB30C20D43FB}"/>
+                <a16:creationId xmlns="" xmlns:a16="http://schemas.microsoft.com/office/drawing/2014/main" id="{9842D489-1E22-4BAC-A4E7-CB30C20D43FB}"/>
               </a:ext>
             </a:extLst>
           </p:cNvPr>
@@ -7888,7 +7888,7 @@
     </p:spTree>
     <p:extLst>
       <p:ext uri="{BB962C8B-B14F-4D97-AF65-F5344CB8AC3E}">
-        <p14:creationId xmlns:p14="http://schemas.microsoft.com/office/powerpoint/2010/main" xmlns="" val="3629106501"/>
+        <p14:creationId xmlns="" xmlns:p14="http://schemas.microsoft.com/office/powerpoint/2010/main" val="3629106501"/>
       </p:ext>
     </p:extLst>
   </p:cSld>
@@ -7896,7 +7896,7 @@
     <a:masterClrMapping/>
   </p:clrMapOvr>
   <mc:AlternateContent xmlns:mc="http://schemas.openxmlformats.org/markup-compatibility/2006">
-    <mc:Choice xmlns:p14="http://schemas.microsoft.com/office/powerpoint/2010/main" xmlns="" Requires="p14">
+    <mc:Choice xmlns="" xmlns:p14="http://schemas.microsoft.com/office/powerpoint/2010/main" Requires="p14">
       <p:transition advTm="203"/>
     </mc:Choice>
     <mc:Fallback>
@@ -8229,7 +8229,7 @@
           <p:cNvPr id="14" name="TextBox 13">
             <a:extLst>
               <a:ext uri="{FF2B5EF4-FFF2-40B4-BE49-F238E27FC236}">
-                <a16:creationId xmlns:a16="http://schemas.microsoft.com/office/drawing/2014/main" xmlns="" id="{9842D489-1E22-4BAC-A4E7-CB30C20D43FB}"/>
+                <a16:creationId xmlns="" xmlns:a16="http://schemas.microsoft.com/office/drawing/2014/main" id="{9842D489-1E22-4BAC-A4E7-CB30C20D43FB}"/>
               </a:ext>
             </a:extLst>
           </p:cNvPr>
@@ -8580,7 +8580,7 @@
           <p:cNvPr id="16" name="TextBox 15">
             <a:extLst>
               <a:ext uri="{FF2B5EF4-FFF2-40B4-BE49-F238E27FC236}">
-                <a16:creationId xmlns:a16="http://schemas.microsoft.com/office/drawing/2014/main" xmlns="" id="{9842D489-1E22-4BAC-A4E7-CB30C20D43FB}"/>
+                <a16:creationId xmlns="" xmlns:a16="http://schemas.microsoft.com/office/drawing/2014/main" id="{9842D489-1E22-4BAC-A4E7-CB30C20D43FB}"/>
               </a:ext>
             </a:extLst>
           </p:cNvPr>
@@ -8629,7 +8629,7 @@
     </p:spTree>
     <p:extLst>
       <p:ext uri="{BB962C8B-B14F-4D97-AF65-F5344CB8AC3E}">
-        <p14:creationId xmlns:p14="http://schemas.microsoft.com/office/powerpoint/2010/main" xmlns="" val="1834995510"/>
+        <p14:creationId xmlns="" xmlns:p14="http://schemas.microsoft.com/office/powerpoint/2010/main" val="1834995510"/>
       </p:ext>
     </p:extLst>
   </p:cSld>
@@ -8637,7 +8637,7 @@
     <a:masterClrMapping/>
   </p:clrMapOvr>
   <mc:AlternateContent xmlns:mc="http://schemas.openxmlformats.org/markup-compatibility/2006">
-    <mc:Choice xmlns:p14="http://schemas.microsoft.com/office/powerpoint/2010/main" xmlns="" Requires="p14">
+    <mc:Choice xmlns="" xmlns:p14="http://schemas.microsoft.com/office/powerpoint/2010/main" Requires="p14">
       <p:transition advTm="203"/>
     </mc:Choice>
     <mc:Fallback>
@@ -8872,7 +8872,7 @@
     </p:spTree>
     <p:extLst>
       <p:ext uri="{BB962C8B-B14F-4D97-AF65-F5344CB8AC3E}">
-        <p14:creationId xmlns:p14="http://schemas.microsoft.com/office/powerpoint/2010/main" xmlns="" val="2768930883"/>
+        <p14:creationId xmlns="" xmlns:p14="http://schemas.microsoft.com/office/powerpoint/2010/main" val="2768930883"/>
       </p:ext>
     </p:extLst>
   </p:cSld>
@@ -8880,7 +8880,7 @@
     <a:masterClrMapping/>
   </p:clrMapOvr>
   <mc:AlternateContent xmlns:mc="http://schemas.openxmlformats.org/markup-compatibility/2006">
-    <mc:Choice xmlns:p14="http://schemas.microsoft.com/office/powerpoint/2010/main" xmlns="" Requires="p14">
+    <mc:Choice xmlns="" xmlns:p14="http://schemas.microsoft.com/office/powerpoint/2010/main" Requires="p14">
       <p:transition/>
     </mc:Choice>
     <mc:Fallback>
@@ -8912,7 +8912,7 @@
           <p:cNvPr id="2" name="그룹 1">
             <a:extLst>
               <a:ext uri="{FF2B5EF4-FFF2-40B4-BE49-F238E27FC236}">
-                <a16:creationId xmlns:a16="http://schemas.microsoft.com/office/drawing/2014/main" xmlns="" id="{5257EF0A-2959-4F41-A0D7-5FED493DDF9F}"/>
+                <a16:creationId xmlns="" xmlns:a16="http://schemas.microsoft.com/office/drawing/2014/main" id="{5257EF0A-2959-4F41-A0D7-5FED493DDF9F}"/>
               </a:ext>
             </a:extLst>
           </p:cNvPr>
@@ -8932,7 +8932,7 @@
             <p:cNvPr id="9" name="TextBox 8">
               <a:extLst>
                 <a:ext uri="{FF2B5EF4-FFF2-40B4-BE49-F238E27FC236}">
-                  <a16:creationId xmlns:a16="http://schemas.microsoft.com/office/drawing/2014/main" xmlns="" id="{D3947105-6879-445D-B76B-D5EFC8256F29}"/>
+                  <a16:creationId xmlns="" xmlns:a16="http://schemas.microsoft.com/office/drawing/2014/main" id="{D3947105-6879-445D-B76B-D5EFC8256F29}"/>
                 </a:ext>
               </a:extLst>
             </p:cNvPr>
@@ -9007,7 +9007,7 @@
             <p:cNvPr id="14" name="TextBox 13">
               <a:extLst>
                 <a:ext uri="{FF2B5EF4-FFF2-40B4-BE49-F238E27FC236}">
-                  <a16:creationId xmlns:a16="http://schemas.microsoft.com/office/drawing/2014/main" xmlns="" id="{7A9521EC-3235-494C-93F6-585BC9C3B43E}"/>
+                  <a16:creationId xmlns="" xmlns:a16="http://schemas.microsoft.com/office/drawing/2014/main" id="{7A9521EC-3235-494C-93F6-585BC9C3B43E}"/>
                 </a:ext>
               </a:extLst>
             </p:cNvPr>
@@ -9053,7 +9053,7 @@
             <p:cNvPr id="3" name="그룹 24">
               <a:extLst>
                 <a:ext uri="{FF2B5EF4-FFF2-40B4-BE49-F238E27FC236}">
-                  <a16:creationId xmlns:a16="http://schemas.microsoft.com/office/drawing/2014/main" xmlns="" id="{1D2D99A6-C3A5-455C-8184-43DACE6D4904}"/>
+                  <a16:creationId xmlns="" xmlns:a16="http://schemas.microsoft.com/office/drawing/2014/main" id="{1D2D99A6-C3A5-455C-8184-43DACE6D4904}"/>
                 </a:ext>
               </a:extLst>
             </p:cNvPr>
@@ -9073,7 +9073,7 @@
               <p:cNvPr id="5" name="직선 연결선 4">
                 <a:extLst>
                   <a:ext uri="{FF2B5EF4-FFF2-40B4-BE49-F238E27FC236}">
-                    <a16:creationId xmlns:a16="http://schemas.microsoft.com/office/drawing/2014/main" xmlns="" id="{F3920279-48F9-42E9-8322-AE444CC499BF}"/>
+                    <a16:creationId xmlns="" xmlns:a16="http://schemas.microsoft.com/office/drawing/2014/main" id="{F3920279-48F9-42E9-8322-AE444CC499BF}"/>
                   </a:ext>
                 </a:extLst>
               </p:cNvPr>
@@ -9122,7 +9122,7 @@
               <p:cNvPr id="7" name="직사각형 6">
                 <a:extLst>
                   <a:ext uri="{FF2B5EF4-FFF2-40B4-BE49-F238E27FC236}">
-                    <a16:creationId xmlns:a16="http://schemas.microsoft.com/office/drawing/2014/main" xmlns="" id="{54FF5575-BD81-49D6-BF4F-81749C4C22BA}"/>
+                    <a16:creationId xmlns="" xmlns:a16="http://schemas.microsoft.com/office/drawing/2014/main" id="{54FF5575-BD81-49D6-BF4F-81749C4C22BA}"/>
                   </a:ext>
                 </a:extLst>
               </p:cNvPr>
@@ -9181,7 +9181,7 @@
           <p:cNvPr id="11" name="그림 10">
             <a:extLst>
               <a:ext uri="{FF2B5EF4-FFF2-40B4-BE49-F238E27FC236}">
-                <a16:creationId xmlns:a16="http://schemas.microsoft.com/office/drawing/2014/main" xmlns="" id="{63FA9DA7-248E-41A7-8482-CB899B3407EF}"/>
+                <a16:creationId xmlns="" xmlns:a16="http://schemas.microsoft.com/office/drawing/2014/main" id="{63FA9DA7-248E-41A7-8482-CB899B3407EF}"/>
               </a:ext>
             </a:extLst>
           </p:cNvPr>
@@ -9194,7 +9194,7 @@
           <a:blip r:embed="rId3" cstate="print">
             <a:extLst>
               <a:ext uri="{28A0092B-C50C-407E-A947-70E740481C1C}">
-                <a14:useLocalDpi xmlns:a14="http://schemas.microsoft.com/office/drawing/2010/main" xmlns="" val="0"/>
+                <a14:useLocalDpi xmlns="" xmlns:a14="http://schemas.microsoft.com/office/drawing/2010/main" val="0"/>
               </a:ext>
             </a:extLst>
           </a:blip>
@@ -9217,7 +9217,7 @@
           <p:cNvPr id="4" name="슬라이드 번호 개체 틀 3">
             <a:extLst>
               <a:ext uri="{FF2B5EF4-FFF2-40B4-BE49-F238E27FC236}">
-                <a16:creationId xmlns:a16="http://schemas.microsoft.com/office/drawing/2014/main" xmlns="" id="{FB59B2E2-F81E-40F9-BBEB-890FC880B656}"/>
+                <a16:creationId xmlns="" xmlns:a16="http://schemas.microsoft.com/office/drawing/2014/main" id="{FB59B2E2-F81E-40F9-BBEB-890FC880B656}"/>
               </a:ext>
             </a:extLst>
           </p:cNvPr>
@@ -9245,7 +9245,7 @@
     </p:spTree>
     <p:extLst>
       <p:ext uri="{BB962C8B-B14F-4D97-AF65-F5344CB8AC3E}">
-        <p14:creationId xmlns:p14="http://schemas.microsoft.com/office/powerpoint/2010/main" xmlns="" val="2052793781"/>
+        <p14:creationId xmlns="" xmlns:p14="http://schemas.microsoft.com/office/powerpoint/2010/main" val="2052793781"/>
       </p:ext>
     </p:extLst>
   </p:cSld>
@@ -9401,7 +9401,7 @@
           <p:cNvPr id="12" name="내용 개체 틀 2">
             <a:extLst>
               <a:ext uri="{FF2B5EF4-FFF2-40B4-BE49-F238E27FC236}">
-                <a16:creationId xmlns:a16="http://schemas.microsoft.com/office/drawing/2014/main" xmlns="" id="{13D30B6A-3884-4EF5-8CB1-6EEB784CF809}"/>
+                <a16:creationId xmlns="" xmlns:a16="http://schemas.microsoft.com/office/drawing/2014/main" id="{13D30B6A-3884-4EF5-8CB1-6EEB784CF809}"/>
               </a:ext>
             </a:extLst>
           </p:cNvPr>
@@ -9580,7 +9580,7 @@
           <p:cNvPr id="40" name="내용 개체 틀 2">
             <a:extLst>
               <a:ext uri="{FF2B5EF4-FFF2-40B4-BE49-F238E27FC236}">
-                <a16:creationId xmlns:a16="http://schemas.microsoft.com/office/drawing/2014/main" xmlns="" id="{B187CD99-2E2E-4492-9F30-5E90B33F090F}"/>
+                <a16:creationId xmlns="" xmlns:a16="http://schemas.microsoft.com/office/drawing/2014/main" id="{B187CD99-2E2E-4492-9F30-5E90B33F090F}"/>
               </a:ext>
             </a:extLst>
           </p:cNvPr>
@@ -9912,15 +9912,7 @@
                   <a:schemeClr val="tx1"/>
                 </a:solidFill>
               </a:rPr>
-              <a:t>, Normalization &amp;</a:t>
-            </a:r>
-            <a:r>
-              <a:rPr lang="en-US" altLang="ko-KR" dirty="0" smtClean="0">
-                <a:solidFill>
-                  <a:schemeClr val="tx1"/>
-                </a:solidFill>
-              </a:rPr>
-              <a:t>Softmax </a:t>
+              <a:t>, Normalization &amp;Softmax </a:t>
             </a:r>
             <a:r>
               <a:rPr lang="ko-KR" altLang="en-US" dirty="0" smtClean="0">
@@ -10066,7 +10058,7 @@
     </p:spTree>
     <p:extLst>
       <p:ext uri="{BB962C8B-B14F-4D97-AF65-F5344CB8AC3E}">
-        <p14:creationId xmlns:p14="http://schemas.microsoft.com/office/powerpoint/2010/main" xmlns="" val="3461522440"/>
+        <p14:creationId xmlns="" xmlns:p14="http://schemas.microsoft.com/office/powerpoint/2010/main" val="3461522440"/>
       </p:ext>
     </p:extLst>
   </p:cSld>
@@ -10220,7 +10212,7 @@
           <p:cNvPr id="12" name="내용 개체 틀 2">
             <a:extLst>
               <a:ext uri="{FF2B5EF4-FFF2-40B4-BE49-F238E27FC236}">
-                <a16:creationId xmlns:a16="http://schemas.microsoft.com/office/drawing/2014/main" xmlns="" id="{13D30B6A-3884-4EF5-8CB1-6EEB784CF809}"/>
+                <a16:creationId xmlns="" xmlns:a16="http://schemas.microsoft.com/office/drawing/2014/main" id="{13D30B6A-3884-4EF5-8CB1-6EEB784CF809}"/>
               </a:ext>
             </a:extLst>
           </p:cNvPr>
@@ -10399,7 +10391,7 @@
           <p:cNvPr id="40" name="내용 개체 틀 2">
             <a:extLst>
               <a:ext uri="{FF2B5EF4-FFF2-40B4-BE49-F238E27FC236}">
-                <a16:creationId xmlns:a16="http://schemas.microsoft.com/office/drawing/2014/main" xmlns="" id="{B187CD99-2E2E-4492-9F30-5E90B33F090F}"/>
+                <a16:creationId xmlns="" xmlns:a16="http://schemas.microsoft.com/office/drawing/2014/main" id="{B187CD99-2E2E-4492-9F30-5E90B33F090F}"/>
               </a:ext>
             </a:extLst>
           </p:cNvPr>
@@ -10660,7 +10652,7 @@
               <a:t>제목 </a:t>
             </a:r>
             <a:r>
-              <a:rPr lang="en-US" altLang="ko-KR" dirty="0">
+              <a:rPr lang="en-US" altLang="ko-KR">
                 <a:solidFill>
                   <a:schemeClr val="tx1"/>
                 </a:solidFill>
@@ -10668,28 +10660,20 @@
               <a:t>: </a:t>
             </a:r>
             <a:r>
+              <a:rPr lang="ko-KR" altLang="en-US" smtClean="0">
+                <a:solidFill>
+                  <a:schemeClr val="tx1"/>
+                </a:solidFill>
+              </a:rPr>
+              <a:t>용접로봇자동화를 </a:t>
+            </a:r>
+            <a:r>
               <a:rPr lang="ko-KR" altLang="en-US" dirty="0" smtClean="0">
                 <a:solidFill>
                   <a:schemeClr val="tx1"/>
                 </a:solidFill>
               </a:rPr>
-              <a:t>제목 </a:t>
-            </a:r>
-            <a:r>
-              <a:rPr lang="en-US" altLang="ko-KR" dirty="0" smtClean="0">
-                <a:solidFill>
-                  <a:schemeClr val="tx1"/>
-                </a:solidFill>
-              </a:rPr>
-              <a:t>: </a:t>
-            </a:r>
-            <a:r>
-              <a:rPr lang="ko-KR" altLang="en-US" dirty="0" smtClean="0">
-                <a:solidFill>
-                  <a:schemeClr val="tx1"/>
-                </a:solidFill>
-              </a:rPr>
-              <a:t>용접로봇자동화를 위한 손 </a:t>
+              <a:t>위한 손 </a:t>
             </a:r>
             <a:r>
               <a:rPr lang="en-US" altLang="ko-KR" dirty="0" smtClean="0">
@@ -10889,7 +10873,7 @@
     </p:spTree>
     <p:extLst>
       <p:ext uri="{BB962C8B-B14F-4D97-AF65-F5344CB8AC3E}">
-        <p14:creationId xmlns:p14="http://schemas.microsoft.com/office/powerpoint/2010/main" xmlns="" val="3461522440"/>
+        <p14:creationId xmlns="" xmlns:p14="http://schemas.microsoft.com/office/powerpoint/2010/main" val="3461522440"/>
       </p:ext>
     </p:extLst>
   </p:cSld>
@@ -11205,7 +11189,7 @@
     <a:masterClrMapping/>
   </p:clrMapOvr>
   <mc:AlternateContent xmlns:mc="http://schemas.openxmlformats.org/markup-compatibility/2006">
-    <mc:Choice xmlns:p14="http://schemas.microsoft.com/office/powerpoint/2010/main" xmlns="" Requires="p14">
+    <mc:Choice xmlns="" xmlns:p14="http://schemas.microsoft.com/office/powerpoint/2010/main" Requires="p14">
       <p:transition advTm="250"/>
     </mc:Choice>
     <mc:Fallback>
@@ -11332,7 +11316,7 @@
           <p:cNvPr id="12" name="내용 개체 틀 2">
             <a:extLst>
               <a:ext uri="{FF2B5EF4-FFF2-40B4-BE49-F238E27FC236}">
-                <a16:creationId xmlns:a16="http://schemas.microsoft.com/office/drawing/2014/main" xmlns="" id="{13D30B6A-3884-4EF5-8CB1-6EEB784CF809}"/>
+                <a16:creationId xmlns="" xmlns:a16="http://schemas.microsoft.com/office/drawing/2014/main" id="{13D30B6A-3884-4EF5-8CB1-6EEB784CF809}"/>
               </a:ext>
             </a:extLst>
           </p:cNvPr>
@@ -11511,7 +11495,7 @@
           <p:cNvPr id="40" name="내용 개체 틀 2">
             <a:extLst>
               <a:ext uri="{FF2B5EF4-FFF2-40B4-BE49-F238E27FC236}">
-                <a16:creationId xmlns:a16="http://schemas.microsoft.com/office/drawing/2014/main" xmlns="" id="{B187CD99-2E2E-4492-9F30-5E90B33F090F}"/>
+                <a16:creationId xmlns="" xmlns:a16="http://schemas.microsoft.com/office/drawing/2014/main" id="{B187CD99-2E2E-4492-9F30-5E90B33F090F}"/>
               </a:ext>
             </a:extLst>
           </p:cNvPr>
@@ -12001,7 +11985,7 @@
     </p:spTree>
     <p:extLst>
       <p:ext uri="{BB962C8B-B14F-4D97-AF65-F5344CB8AC3E}">
-        <p14:creationId xmlns:p14="http://schemas.microsoft.com/office/powerpoint/2010/main" xmlns="" val="2815983809"/>
+        <p14:creationId xmlns="" xmlns:p14="http://schemas.microsoft.com/office/powerpoint/2010/main" val="2815983809"/>
       </p:ext>
     </p:extLst>
   </p:cSld>
@@ -12071,7 +12055,7 @@
           <p:cNvPr id="12" name="내용 개체 틀 2">
             <a:extLst>
               <a:ext uri="{FF2B5EF4-FFF2-40B4-BE49-F238E27FC236}">
-                <a16:creationId xmlns:a16="http://schemas.microsoft.com/office/drawing/2014/main" xmlns="" id="{13D30B6A-3884-4EF5-8CB1-6EEB784CF809}"/>
+                <a16:creationId xmlns="" xmlns:a16="http://schemas.microsoft.com/office/drawing/2014/main" id="{13D30B6A-3884-4EF5-8CB1-6EEB784CF809}"/>
               </a:ext>
             </a:extLst>
           </p:cNvPr>
@@ -12250,7 +12234,7 @@
           <p:cNvPr id="40" name="내용 개체 틀 2">
             <a:extLst>
               <a:ext uri="{FF2B5EF4-FFF2-40B4-BE49-F238E27FC236}">
-                <a16:creationId xmlns:a16="http://schemas.microsoft.com/office/drawing/2014/main" xmlns="" id="{B187CD99-2E2E-4492-9F30-5E90B33F090F}"/>
+                <a16:creationId xmlns="" xmlns:a16="http://schemas.microsoft.com/office/drawing/2014/main" id="{B187CD99-2E2E-4492-9F30-5E90B33F090F}"/>
               </a:ext>
             </a:extLst>
           </p:cNvPr>
@@ -12523,7 +12507,7 @@
           <p:cNvPr id="8" name="내용 개체 틀 2">
             <a:extLst>
               <a:ext uri="{FF2B5EF4-FFF2-40B4-BE49-F238E27FC236}">
-                <a16:creationId xmlns:a16="http://schemas.microsoft.com/office/drawing/2014/main" xmlns="" id="{13D30B6A-3884-4EF5-8CB1-6EEB784CF809}"/>
+                <a16:creationId xmlns="" xmlns:a16="http://schemas.microsoft.com/office/drawing/2014/main" id="{13D30B6A-3884-4EF5-8CB1-6EEB784CF809}"/>
               </a:ext>
             </a:extLst>
           </p:cNvPr>
@@ -12936,7 +12920,7 @@
     </p:spTree>
     <p:extLst>
       <p:ext uri="{BB962C8B-B14F-4D97-AF65-F5344CB8AC3E}">
-        <p14:creationId xmlns:p14="http://schemas.microsoft.com/office/powerpoint/2010/main" xmlns="" val="2553095179"/>
+        <p14:creationId xmlns="" xmlns:p14="http://schemas.microsoft.com/office/powerpoint/2010/main" val="2553095179"/>
       </p:ext>
     </p:extLst>
   </p:cSld>
@@ -13098,7 +13082,7 @@
     <a:masterClrMapping/>
   </p:clrMapOvr>
   <mc:AlternateContent xmlns:mc="http://schemas.openxmlformats.org/markup-compatibility/2006">
-    <mc:Choice xmlns:p14="http://schemas.microsoft.com/office/powerpoint/2010/main" xmlns="" Requires="p14">
+    <mc:Choice xmlns="" xmlns:p14="http://schemas.microsoft.com/office/powerpoint/2010/main" Requires="p14">
       <p:transition/>
     </mc:Choice>
     <mc:Fallback>
@@ -13431,7 +13415,7 @@
           <p:cNvPr id="21" name="TextBox 20">
             <a:extLst>
               <a:ext uri="{FF2B5EF4-FFF2-40B4-BE49-F238E27FC236}">
-                <a16:creationId xmlns:a16="http://schemas.microsoft.com/office/drawing/2014/main" xmlns="" id="{D4833B0C-7FF4-410D-9445-0DE408F03017}"/>
+                <a16:creationId xmlns="" xmlns:a16="http://schemas.microsoft.com/office/drawing/2014/main" id="{D4833B0C-7FF4-410D-9445-0DE408F03017}"/>
               </a:ext>
             </a:extLst>
           </p:cNvPr>
@@ -13692,7 +13676,7 @@
           <p:cNvPr id="10" name="TextBox 9">
             <a:extLst>
               <a:ext uri="{FF2B5EF4-FFF2-40B4-BE49-F238E27FC236}">
-                <a16:creationId xmlns:a16="http://schemas.microsoft.com/office/drawing/2014/main" xmlns="" id="{BEA803AF-F8DC-4BF3-BF6B-EBA8B306093D}"/>
+                <a16:creationId xmlns="" xmlns:a16="http://schemas.microsoft.com/office/drawing/2014/main" id="{BEA803AF-F8DC-4BF3-BF6B-EBA8B306093D}"/>
               </a:ext>
             </a:extLst>
           </p:cNvPr>
@@ -13745,7 +13729,7 @@
           <p:cNvPr id="11" name="TextBox 10">
             <a:extLst>
               <a:ext uri="{FF2B5EF4-FFF2-40B4-BE49-F238E27FC236}">
-                <a16:creationId xmlns:a16="http://schemas.microsoft.com/office/drawing/2014/main" xmlns="" id="{6A5C238E-FF03-4E5A-A81D-D35238D3A274}"/>
+                <a16:creationId xmlns="" xmlns:a16="http://schemas.microsoft.com/office/drawing/2014/main" id="{6A5C238E-FF03-4E5A-A81D-D35238D3A274}"/>
               </a:ext>
             </a:extLst>
           </p:cNvPr>
@@ -13798,7 +13782,7 @@
           <p:cNvPr id="3" name="그림 2">
             <a:extLst>
               <a:ext uri="{FF2B5EF4-FFF2-40B4-BE49-F238E27FC236}">
-                <a16:creationId xmlns:a16="http://schemas.microsoft.com/office/drawing/2014/main" xmlns="" id="{E9BBF574-CBB9-4C3F-80A7-90300A7EAF37}"/>
+                <a16:creationId xmlns="" xmlns:a16="http://schemas.microsoft.com/office/drawing/2014/main" id="{E9BBF574-CBB9-4C3F-80A7-90300A7EAF37}"/>
               </a:ext>
             </a:extLst>
           </p:cNvPr>
@@ -13827,7 +13811,7 @@
           <p:cNvPr id="7" name="그림 6">
             <a:extLst>
               <a:ext uri="{FF2B5EF4-FFF2-40B4-BE49-F238E27FC236}">
-                <a16:creationId xmlns:a16="http://schemas.microsoft.com/office/drawing/2014/main" xmlns="" id="{0D65677B-5C48-4397-AE50-31E84A9C516D}"/>
+                <a16:creationId xmlns="" xmlns:a16="http://schemas.microsoft.com/office/drawing/2014/main" id="{0D65677B-5C48-4397-AE50-31E84A9C516D}"/>
               </a:ext>
             </a:extLst>
           </p:cNvPr>
@@ -13859,7 +13843,7 @@
           <p:cNvPr id="9" name="직사각형 8">
             <a:extLst>
               <a:ext uri="{FF2B5EF4-FFF2-40B4-BE49-F238E27FC236}">
-                <a16:creationId xmlns:a16="http://schemas.microsoft.com/office/drawing/2014/main" xmlns="" id="{C4204090-E8E3-41DB-B97D-D33257A80BC2}"/>
+                <a16:creationId xmlns="" xmlns:a16="http://schemas.microsoft.com/office/drawing/2014/main" id="{C4204090-E8E3-41DB-B97D-D33257A80BC2}"/>
               </a:ext>
             </a:extLst>
           </p:cNvPr>
@@ -13909,7 +13893,7 @@
     </p:spTree>
     <p:extLst>
       <p:ext uri="{BB962C8B-B14F-4D97-AF65-F5344CB8AC3E}">
-        <p14:creationId xmlns:p14="http://schemas.microsoft.com/office/powerpoint/2010/main" xmlns="" val="1203977623"/>
+        <p14:creationId xmlns="" xmlns:p14="http://schemas.microsoft.com/office/powerpoint/2010/main" val="1203977623"/>
       </p:ext>
     </p:extLst>
   </p:cSld>
@@ -13917,7 +13901,7 @@
     <a:masterClrMapping/>
   </p:clrMapOvr>
   <mc:AlternateContent xmlns:mc="http://schemas.openxmlformats.org/markup-compatibility/2006">
-    <mc:Choice xmlns:p14="http://schemas.microsoft.com/office/powerpoint/2010/main" xmlns="" Requires="p14">
+    <mc:Choice xmlns="" xmlns:p14="http://schemas.microsoft.com/office/powerpoint/2010/main" Requires="p14">
       <p:transition advTm="203"/>
     </mc:Choice>
     <mc:Fallback>
@@ -14283,7 +14267,7 @@
           <p:cNvPr id="21" name="TextBox 20">
             <a:extLst>
               <a:ext uri="{FF2B5EF4-FFF2-40B4-BE49-F238E27FC236}">
-                <a16:creationId xmlns:a16="http://schemas.microsoft.com/office/drawing/2014/main" xmlns="" id="{D4833B0C-7FF4-410D-9445-0DE408F03017}"/>
+                <a16:creationId xmlns="" xmlns:a16="http://schemas.microsoft.com/office/drawing/2014/main" id="{D4833B0C-7FF4-410D-9445-0DE408F03017}"/>
               </a:ext>
             </a:extLst>
           </p:cNvPr>
@@ -14371,7 +14355,7 @@
           <p:cNvPr id="15" name="그룹 14">
             <a:extLst>
               <a:ext uri="{FF2B5EF4-FFF2-40B4-BE49-F238E27FC236}">
-                <a16:creationId xmlns:a16="http://schemas.microsoft.com/office/drawing/2014/main" xmlns="" id="{6AA2DCE6-BE23-44B4-986F-730C90005C52}"/>
+                <a16:creationId xmlns="" xmlns:a16="http://schemas.microsoft.com/office/drawing/2014/main" id="{6AA2DCE6-BE23-44B4-986F-730C90005C52}"/>
               </a:ext>
             </a:extLst>
           </p:cNvPr>
@@ -14391,7 +14375,7 @@
             <p:cNvPr id="26" name="TextBox 25">
               <a:extLst>
                 <a:ext uri="{FF2B5EF4-FFF2-40B4-BE49-F238E27FC236}">
-                  <a16:creationId xmlns:a16="http://schemas.microsoft.com/office/drawing/2014/main" xmlns="" id="{E96410B6-9344-4EAB-BDB5-DBFF3790EE66}"/>
+                  <a16:creationId xmlns="" xmlns:a16="http://schemas.microsoft.com/office/drawing/2014/main" id="{E96410B6-9344-4EAB-BDB5-DBFF3790EE66}"/>
                 </a:ext>
               </a:extLst>
             </p:cNvPr>
@@ -14451,7 +14435,7 @@
             <p:cNvPr id="4" name="그림 3" descr="실내, 벽, 싱크, 장치이(가) 표시된 사진&#10;&#10;자동 생성된 설명">
               <a:extLst>
                 <a:ext uri="{FF2B5EF4-FFF2-40B4-BE49-F238E27FC236}">
-                  <a16:creationId xmlns:a16="http://schemas.microsoft.com/office/drawing/2014/main" xmlns="" id="{9AC599BC-DD21-4766-A9C9-68DF47B6A15B}"/>
+                  <a16:creationId xmlns="" xmlns:a16="http://schemas.microsoft.com/office/drawing/2014/main" id="{9AC599BC-DD21-4766-A9C9-68DF47B6A15B}"/>
                 </a:ext>
               </a:extLst>
             </p:cNvPr>
@@ -14464,7 +14448,7 @@
             <a:blip r:embed="rId3" cstate="print">
               <a:extLst>
                 <a:ext uri="{28A0092B-C50C-407E-A947-70E740481C1C}">
-                  <a14:useLocalDpi xmlns:a14="http://schemas.microsoft.com/office/drawing/2010/main" xmlns="" val="0"/>
+                  <a14:useLocalDpi xmlns="" xmlns:a14="http://schemas.microsoft.com/office/drawing/2010/main" val="0"/>
                 </a:ext>
               </a:extLst>
             </a:blip>
@@ -14487,7 +14471,7 @@
             <p:cNvPr id="7" name="그림 6" descr="밤하늘이(가) 표시된 사진&#10;&#10;자동 생성된 설명">
               <a:extLst>
                 <a:ext uri="{FF2B5EF4-FFF2-40B4-BE49-F238E27FC236}">
-                  <a16:creationId xmlns:a16="http://schemas.microsoft.com/office/drawing/2014/main" xmlns="" id="{4D24F8C1-8AC5-4CDF-B7BE-73ACF5F5D913}"/>
+                  <a16:creationId xmlns="" xmlns:a16="http://schemas.microsoft.com/office/drawing/2014/main" id="{4D24F8C1-8AC5-4CDF-B7BE-73ACF5F5D913}"/>
                 </a:ext>
               </a:extLst>
             </p:cNvPr>
@@ -14500,7 +14484,7 @@
             <a:blip r:embed="rId4" cstate="print">
               <a:extLst>
                 <a:ext uri="{28A0092B-C50C-407E-A947-70E740481C1C}">
-                  <a14:useLocalDpi xmlns:a14="http://schemas.microsoft.com/office/drawing/2010/main" xmlns="" val="0"/>
+                  <a14:useLocalDpi xmlns="" xmlns:a14="http://schemas.microsoft.com/office/drawing/2010/main" val="0"/>
                 </a:ext>
               </a:extLst>
             </a:blip>
@@ -14523,7 +14507,7 @@
             <p:cNvPr id="10" name="그림 9" descr="실내, 욕실, 장치, 밀러이(가) 표시된 사진&#10;&#10;자동 생성된 설명">
               <a:extLst>
                 <a:ext uri="{FF2B5EF4-FFF2-40B4-BE49-F238E27FC236}">
-                  <a16:creationId xmlns:a16="http://schemas.microsoft.com/office/drawing/2014/main" xmlns="" id="{367BCB58-00BD-4703-84E1-E0212E4A4971}"/>
+                  <a16:creationId xmlns="" xmlns:a16="http://schemas.microsoft.com/office/drawing/2014/main" id="{367BCB58-00BD-4703-84E1-E0212E4A4971}"/>
                 </a:ext>
               </a:extLst>
             </p:cNvPr>
@@ -14536,7 +14520,7 @@
             <a:blip r:embed="rId5" cstate="print">
               <a:extLst>
                 <a:ext uri="{28A0092B-C50C-407E-A947-70E740481C1C}">
-                  <a14:useLocalDpi xmlns:a14="http://schemas.microsoft.com/office/drawing/2010/main" xmlns="" val="0"/>
+                  <a14:useLocalDpi xmlns="" xmlns:a14="http://schemas.microsoft.com/office/drawing/2010/main" val="0"/>
                 </a:ext>
               </a:extLst>
             </a:blip>
@@ -14559,7 +14543,7 @@
             <p:cNvPr id="14" name="그림 13" descr="밤하늘이(가) 표시된 사진&#10;&#10;자동 생성된 설명">
               <a:extLst>
                 <a:ext uri="{FF2B5EF4-FFF2-40B4-BE49-F238E27FC236}">
-                  <a16:creationId xmlns:a16="http://schemas.microsoft.com/office/drawing/2014/main" xmlns="" id="{8D242F90-DA3C-4647-B5AB-62A80450F293}"/>
+                  <a16:creationId xmlns="" xmlns:a16="http://schemas.microsoft.com/office/drawing/2014/main" id="{8D242F90-DA3C-4647-B5AB-62A80450F293}"/>
                 </a:ext>
               </a:extLst>
             </p:cNvPr>
@@ -14572,7 +14556,7 @@
             <a:blip r:embed="rId6" cstate="print">
               <a:extLst>
                 <a:ext uri="{28A0092B-C50C-407E-A947-70E740481C1C}">
-                  <a14:useLocalDpi xmlns:a14="http://schemas.microsoft.com/office/drawing/2010/main" xmlns="" val="0"/>
+                  <a14:useLocalDpi xmlns="" xmlns:a14="http://schemas.microsoft.com/office/drawing/2010/main" val="0"/>
                 </a:ext>
               </a:extLst>
             </a:blip>
@@ -14596,7 +14580,7 @@
           <p:cNvPr id="28" name="TextBox 27">
             <a:extLst>
               <a:ext uri="{FF2B5EF4-FFF2-40B4-BE49-F238E27FC236}">
-                <a16:creationId xmlns:a16="http://schemas.microsoft.com/office/drawing/2014/main" xmlns="" id="{CEDDC0EC-C2AC-4CE9-ADE4-3C262F4AA543}"/>
+                <a16:creationId xmlns="" xmlns:a16="http://schemas.microsoft.com/office/drawing/2014/main" id="{CEDDC0EC-C2AC-4CE9-ADE4-3C262F4AA543}"/>
               </a:ext>
             </a:extLst>
           </p:cNvPr>
@@ -14687,7 +14671,7 @@
     </p:spTree>
     <p:extLst>
       <p:ext uri="{BB962C8B-B14F-4D97-AF65-F5344CB8AC3E}">
-        <p14:creationId xmlns:p14="http://schemas.microsoft.com/office/powerpoint/2010/main" xmlns="" val="3995195821"/>
+        <p14:creationId xmlns="" xmlns:p14="http://schemas.microsoft.com/office/powerpoint/2010/main" val="3995195821"/>
       </p:ext>
     </p:extLst>
   </p:cSld>
@@ -14695,7 +14679,7 @@
     <a:masterClrMapping/>
   </p:clrMapOvr>
   <mc:AlternateContent xmlns:mc="http://schemas.openxmlformats.org/markup-compatibility/2006">
-    <mc:Choice xmlns:p14="http://schemas.microsoft.com/office/powerpoint/2010/main" xmlns="" Requires="p14">
+    <mc:Choice xmlns="" xmlns:p14="http://schemas.microsoft.com/office/powerpoint/2010/main" Requires="p14">
       <p:transition advTm="203"/>
     </mc:Choice>
     <mc:Fallback>
@@ -15028,7 +15012,7 @@
           <p:cNvPr id="21" name="TextBox 20">
             <a:extLst>
               <a:ext uri="{FF2B5EF4-FFF2-40B4-BE49-F238E27FC236}">
-                <a16:creationId xmlns:a16="http://schemas.microsoft.com/office/drawing/2014/main" xmlns="" id="{D4833B0C-7FF4-410D-9445-0DE408F03017}"/>
+                <a16:creationId xmlns="" xmlns:a16="http://schemas.microsoft.com/office/drawing/2014/main" id="{D4833B0C-7FF4-410D-9445-0DE408F03017}"/>
               </a:ext>
             </a:extLst>
           </p:cNvPr>
@@ -15157,7 +15141,7 @@
           <p:cNvPr id="26" name="TextBox 25">
             <a:extLst>
               <a:ext uri="{FF2B5EF4-FFF2-40B4-BE49-F238E27FC236}">
-                <a16:creationId xmlns:a16="http://schemas.microsoft.com/office/drawing/2014/main" xmlns="" id="{E96410B6-9344-4EAB-BDB5-DBFF3790EE66}"/>
+                <a16:creationId xmlns="" xmlns:a16="http://schemas.microsoft.com/office/drawing/2014/main" id="{E96410B6-9344-4EAB-BDB5-DBFF3790EE66}"/>
               </a:ext>
             </a:extLst>
           </p:cNvPr>
@@ -15210,7 +15194,7 @@
           <p:cNvPr id="13" name="TextBox 12">
             <a:extLst>
               <a:ext uri="{FF2B5EF4-FFF2-40B4-BE49-F238E27FC236}">
-                <a16:creationId xmlns:a16="http://schemas.microsoft.com/office/drawing/2014/main" xmlns="" id="{31BC7E1B-E497-4E0F-B8DE-97FB4409BF34}"/>
+                <a16:creationId xmlns="" xmlns:a16="http://schemas.microsoft.com/office/drawing/2014/main" id="{31BC7E1B-E497-4E0F-B8DE-97FB4409BF34}"/>
               </a:ext>
             </a:extLst>
           </p:cNvPr>
@@ -15263,7 +15247,7 @@
           <p:cNvPr id="28" name="그룹 27">
             <a:extLst>
               <a:ext uri="{FF2B5EF4-FFF2-40B4-BE49-F238E27FC236}">
-                <a16:creationId xmlns:a16="http://schemas.microsoft.com/office/drawing/2014/main" xmlns="" id="{CD028905-9331-4D7E-82F1-58637E47798A}"/>
+                <a16:creationId xmlns="" xmlns:a16="http://schemas.microsoft.com/office/drawing/2014/main" id="{CD028905-9331-4D7E-82F1-58637E47798A}"/>
               </a:ext>
             </a:extLst>
           </p:cNvPr>
@@ -15283,7 +15267,7 @@
             <p:cNvPr id="3" name="그림 2" descr="실내, 욕실, 싱크, 더러운이(가) 표시된 사진&#10;&#10;자동 생성된 설명">
               <a:extLst>
                 <a:ext uri="{FF2B5EF4-FFF2-40B4-BE49-F238E27FC236}">
-                  <a16:creationId xmlns:a16="http://schemas.microsoft.com/office/drawing/2014/main" xmlns="" id="{E867E249-7D32-41A9-8134-E08AD4D10B90}"/>
+                  <a16:creationId xmlns="" xmlns:a16="http://schemas.microsoft.com/office/drawing/2014/main" id="{E867E249-7D32-41A9-8134-E08AD4D10B90}"/>
                 </a:ext>
               </a:extLst>
             </p:cNvPr>
@@ -15296,7 +15280,7 @@
             <a:blip r:embed="rId3" cstate="print">
               <a:extLst>
                 <a:ext uri="{28A0092B-C50C-407E-A947-70E740481C1C}">
-                  <a14:useLocalDpi xmlns:a14="http://schemas.microsoft.com/office/drawing/2010/main" xmlns="" val="0"/>
+                  <a14:useLocalDpi xmlns="" xmlns:a14="http://schemas.microsoft.com/office/drawing/2010/main" val="0"/>
                 </a:ext>
               </a:extLst>
             </a:blip>
@@ -15319,7 +15303,7 @@
             <p:cNvPr id="5" name="그림 4" descr="벽, 실내, 욕실, 더러운이(가) 표시된 사진&#10;&#10;자동 생성된 설명">
               <a:extLst>
                 <a:ext uri="{FF2B5EF4-FFF2-40B4-BE49-F238E27FC236}">
-                  <a16:creationId xmlns:a16="http://schemas.microsoft.com/office/drawing/2014/main" xmlns="" id="{321ABD8C-B980-4743-B90E-0274A01BFD12}"/>
+                  <a16:creationId xmlns="" xmlns:a16="http://schemas.microsoft.com/office/drawing/2014/main" id="{321ABD8C-B980-4743-B90E-0274A01BFD12}"/>
                 </a:ext>
               </a:extLst>
             </p:cNvPr>
@@ -15332,7 +15316,7 @@
             <a:blip r:embed="rId4" cstate="print">
               <a:extLst>
                 <a:ext uri="{28A0092B-C50C-407E-A947-70E740481C1C}">
-                  <a14:useLocalDpi xmlns:a14="http://schemas.microsoft.com/office/drawing/2010/main" xmlns="" val="0"/>
+                  <a14:useLocalDpi xmlns="" xmlns:a14="http://schemas.microsoft.com/office/drawing/2010/main" val="0"/>
                 </a:ext>
               </a:extLst>
             </a:blip>
@@ -15355,7 +15339,7 @@
             <p:cNvPr id="7" name="그림 6" descr="실내, 욕실, 싱크, 더러운이(가) 표시된 사진&#10;&#10;자동 생성된 설명">
               <a:extLst>
                 <a:ext uri="{FF2B5EF4-FFF2-40B4-BE49-F238E27FC236}">
-                  <a16:creationId xmlns:a16="http://schemas.microsoft.com/office/drawing/2014/main" xmlns="" id="{522DF9C1-1C63-4939-8EC3-7F37C269BBC4}"/>
+                  <a16:creationId xmlns="" xmlns:a16="http://schemas.microsoft.com/office/drawing/2014/main" id="{522DF9C1-1C63-4939-8EC3-7F37C269BBC4}"/>
                 </a:ext>
               </a:extLst>
             </p:cNvPr>
@@ -15368,7 +15352,7 @@
             <a:blip r:embed="rId5" cstate="print">
               <a:extLst>
                 <a:ext uri="{28A0092B-C50C-407E-A947-70E740481C1C}">
-                  <a14:useLocalDpi xmlns:a14="http://schemas.microsoft.com/office/drawing/2010/main" xmlns="" val="0"/>
+                  <a14:useLocalDpi xmlns="" xmlns:a14="http://schemas.microsoft.com/office/drawing/2010/main" val="0"/>
                 </a:ext>
               </a:extLst>
             </a:blip>
@@ -15391,7 +15375,7 @@
             <p:cNvPr id="10" name="그림 9" descr="실내, 더러운, 장치, 오래된이(가) 표시된 사진&#10;&#10;자동 생성된 설명">
               <a:extLst>
                 <a:ext uri="{FF2B5EF4-FFF2-40B4-BE49-F238E27FC236}">
-                  <a16:creationId xmlns:a16="http://schemas.microsoft.com/office/drawing/2014/main" xmlns="" id="{5CB54285-45D2-4CDC-812A-3B4870BCEF5D}"/>
+                  <a16:creationId xmlns="" xmlns:a16="http://schemas.microsoft.com/office/drawing/2014/main" id="{5CB54285-45D2-4CDC-812A-3B4870BCEF5D}"/>
                 </a:ext>
               </a:extLst>
             </p:cNvPr>
@@ -15404,7 +15388,7 @@
             <a:blip r:embed="rId6" cstate="print">
               <a:extLst>
                 <a:ext uri="{28A0092B-C50C-407E-A947-70E740481C1C}">
-                  <a14:useLocalDpi xmlns:a14="http://schemas.microsoft.com/office/drawing/2010/main" xmlns="" val="0"/>
+                  <a14:useLocalDpi xmlns="" xmlns:a14="http://schemas.microsoft.com/office/drawing/2010/main" val="0"/>
                 </a:ext>
               </a:extLst>
             </a:blip>
@@ -15427,7 +15411,7 @@
             <p:cNvPr id="12" name="그림 11" descr="실내, 벽, 욕실, 싱크이(가) 표시된 사진&#10;&#10;자동 생성된 설명">
               <a:extLst>
                 <a:ext uri="{FF2B5EF4-FFF2-40B4-BE49-F238E27FC236}">
-                  <a16:creationId xmlns:a16="http://schemas.microsoft.com/office/drawing/2014/main" xmlns="" id="{1D99BC6B-9DF9-40A8-A984-6B5697D03CEC}"/>
+                  <a16:creationId xmlns="" xmlns:a16="http://schemas.microsoft.com/office/drawing/2014/main" id="{1D99BC6B-9DF9-40A8-A984-6B5697D03CEC}"/>
                 </a:ext>
               </a:extLst>
             </p:cNvPr>
@@ -15440,7 +15424,7 @@
             <a:blip r:embed="rId7" cstate="print">
               <a:extLst>
                 <a:ext uri="{28A0092B-C50C-407E-A947-70E740481C1C}">
-                  <a14:useLocalDpi xmlns:a14="http://schemas.microsoft.com/office/drawing/2010/main" xmlns="" val="0"/>
+                  <a14:useLocalDpi xmlns="" xmlns:a14="http://schemas.microsoft.com/office/drawing/2010/main" val="0"/>
                 </a:ext>
               </a:extLst>
             </a:blip>
@@ -15463,7 +15447,7 @@
             <p:cNvPr id="15" name="그림 14" descr="실내, 욕실, 더러운, 싱크이(가) 표시된 사진&#10;&#10;자동 생성된 설명">
               <a:extLst>
                 <a:ext uri="{FF2B5EF4-FFF2-40B4-BE49-F238E27FC236}">
-                  <a16:creationId xmlns:a16="http://schemas.microsoft.com/office/drawing/2014/main" xmlns="" id="{3B5687EC-6D4A-4066-94AE-66BD2F919EEC}"/>
+                  <a16:creationId xmlns="" xmlns:a16="http://schemas.microsoft.com/office/drawing/2014/main" id="{3B5687EC-6D4A-4066-94AE-66BD2F919EEC}"/>
                 </a:ext>
               </a:extLst>
             </p:cNvPr>
@@ -15476,7 +15460,7 @@
             <a:blip r:embed="rId8" cstate="print">
               <a:extLst>
                 <a:ext uri="{28A0092B-C50C-407E-A947-70E740481C1C}">
-                  <a14:useLocalDpi xmlns:a14="http://schemas.microsoft.com/office/drawing/2010/main" xmlns="" val="0"/>
+                  <a14:useLocalDpi xmlns="" xmlns:a14="http://schemas.microsoft.com/office/drawing/2010/main" val="0"/>
                 </a:ext>
               </a:extLst>
             </a:blip>
@@ -15499,7 +15483,7 @@
             <p:cNvPr id="17" name="그림 16" descr="실내, 욕실, 싱크, 더러운이(가) 표시된 사진&#10;&#10;자동 생성된 설명">
               <a:extLst>
                 <a:ext uri="{FF2B5EF4-FFF2-40B4-BE49-F238E27FC236}">
-                  <a16:creationId xmlns:a16="http://schemas.microsoft.com/office/drawing/2014/main" xmlns="" id="{9F04D314-F67A-4970-B0A4-10870626FC6E}"/>
+                  <a16:creationId xmlns="" xmlns:a16="http://schemas.microsoft.com/office/drawing/2014/main" id="{9F04D314-F67A-4970-B0A4-10870626FC6E}"/>
                 </a:ext>
               </a:extLst>
             </p:cNvPr>
@@ -15512,7 +15496,7 @@
             <a:blip r:embed="rId9" cstate="print">
               <a:extLst>
                 <a:ext uri="{28A0092B-C50C-407E-A947-70E740481C1C}">
-                  <a14:useLocalDpi xmlns:a14="http://schemas.microsoft.com/office/drawing/2010/main" xmlns="" val="0"/>
+                  <a14:useLocalDpi xmlns="" xmlns:a14="http://schemas.microsoft.com/office/drawing/2010/main" val="0"/>
                 </a:ext>
               </a:extLst>
             </a:blip>
@@ -15535,7 +15519,7 @@
             <p:cNvPr id="22" name="그림 21" descr="실내, 욕실, 싱크, 더러운이(가) 표시된 사진&#10;&#10;자동 생성된 설명">
               <a:extLst>
                 <a:ext uri="{FF2B5EF4-FFF2-40B4-BE49-F238E27FC236}">
-                  <a16:creationId xmlns:a16="http://schemas.microsoft.com/office/drawing/2014/main" xmlns="" id="{9EBAC998-C8C0-4DCD-A975-63DEED3C7F31}"/>
+                  <a16:creationId xmlns="" xmlns:a16="http://schemas.microsoft.com/office/drawing/2014/main" id="{9EBAC998-C8C0-4DCD-A975-63DEED3C7F31}"/>
                 </a:ext>
               </a:extLst>
             </p:cNvPr>
@@ -15548,7 +15532,7 @@
             <a:blip r:embed="rId10" cstate="print">
               <a:extLst>
                 <a:ext uri="{28A0092B-C50C-407E-A947-70E740481C1C}">
-                  <a14:useLocalDpi xmlns:a14="http://schemas.microsoft.com/office/drawing/2010/main" xmlns="" val="0"/>
+                  <a14:useLocalDpi xmlns="" xmlns:a14="http://schemas.microsoft.com/office/drawing/2010/main" val="0"/>
                 </a:ext>
               </a:extLst>
             </a:blip>
@@ -15571,7 +15555,7 @@
             <p:cNvPr id="24" name="그림 23" descr="실내, 욕실, 싱크, 더러운이(가) 표시된 사진&#10;&#10;자동 생성된 설명">
               <a:extLst>
                 <a:ext uri="{FF2B5EF4-FFF2-40B4-BE49-F238E27FC236}">
-                  <a16:creationId xmlns:a16="http://schemas.microsoft.com/office/drawing/2014/main" xmlns="" id="{AC8663A0-39F1-411D-AD1B-ADAE95B4F2CD}"/>
+                  <a16:creationId xmlns="" xmlns:a16="http://schemas.microsoft.com/office/drawing/2014/main" id="{AC8663A0-39F1-411D-AD1B-ADAE95B4F2CD}"/>
                 </a:ext>
               </a:extLst>
             </p:cNvPr>
@@ -15584,7 +15568,7 @@
             <a:blip r:embed="rId11" cstate="print">
               <a:extLst>
                 <a:ext uri="{28A0092B-C50C-407E-A947-70E740481C1C}">
-                  <a14:useLocalDpi xmlns:a14="http://schemas.microsoft.com/office/drawing/2010/main" xmlns="" val="0"/>
+                  <a14:useLocalDpi xmlns="" xmlns:a14="http://schemas.microsoft.com/office/drawing/2010/main" val="0"/>
                 </a:ext>
               </a:extLst>
             </a:blip>
@@ -15608,7 +15592,7 @@
           <p:cNvPr id="30" name="그림 29" descr="실내, 벽, 욕실, 싱크이(가) 표시된 사진&#10;&#10;자동 생성된 설명">
             <a:extLst>
               <a:ext uri="{FF2B5EF4-FFF2-40B4-BE49-F238E27FC236}">
-                <a16:creationId xmlns:a16="http://schemas.microsoft.com/office/drawing/2014/main" xmlns="" id="{F64907EA-69AA-4BFE-858B-FA3C5BB6297D}"/>
+                <a16:creationId xmlns="" xmlns:a16="http://schemas.microsoft.com/office/drawing/2014/main" id="{F64907EA-69AA-4BFE-858B-FA3C5BB6297D}"/>
               </a:ext>
             </a:extLst>
           </p:cNvPr>
@@ -15621,7 +15605,7 @@
           <a:blip r:embed="rId12" cstate="print">
             <a:extLst>
               <a:ext uri="{28A0092B-C50C-407E-A947-70E740481C1C}">
-                <a14:useLocalDpi xmlns:a14="http://schemas.microsoft.com/office/drawing/2010/main" xmlns="" val="0"/>
+                <a14:useLocalDpi xmlns="" xmlns:a14="http://schemas.microsoft.com/office/drawing/2010/main" val="0"/>
               </a:ext>
             </a:extLst>
           </a:blip>
@@ -15642,7 +15626,7 @@
     </p:spTree>
     <p:extLst>
       <p:ext uri="{BB962C8B-B14F-4D97-AF65-F5344CB8AC3E}">
-        <p14:creationId xmlns:p14="http://schemas.microsoft.com/office/powerpoint/2010/main" xmlns="" val="1902322"/>
+        <p14:creationId xmlns="" xmlns:p14="http://schemas.microsoft.com/office/powerpoint/2010/main" val="1902322"/>
       </p:ext>
     </p:extLst>
   </p:cSld>
@@ -15650,7 +15634,7 @@
     <a:masterClrMapping/>
   </p:clrMapOvr>
   <mc:AlternateContent xmlns:mc="http://schemas.openxmlformats.org/markup-compatibility/2006">
-    <mc:Choice xmlns:p14="http://schemas.microsoft.com/office/powerpoint/2010/main" xmlns="" Requires="p14">
+    <mc:Choice xmlns="" xmlns:p14="http://schemas.microsoft.com/office/powerpoint/2010/main" Requires="p14">
       <p:transition advTm="203"/>
     </mc:Choice>
     <mc:Fallback>
@@ -15983,7 +15967,7 @@
           <p:cNvPr id="21" name="TextBox 20">
             <a:extLst>
               <a:ext uri="{FF2B5EF4-FFF2-40B4-BE49-F238E27FC236}">
-                <a16:creationId xmlns:a16="http://schemas.microsoft.com/office/drawing/2014/main" xmlns="" id="{D4833B0C-7FF4-410D-9445-0DE408F03017}"/>
+                <a16:creationId xmlns="" xmlns:a16="http://schemas.microsoft.com/office/drawing/2014/main" id="{D4833B0C-7FF4-410D-9445-0DE408F03017}"/>
               </a:ext>
             </a:extLst>
           </p:cNvPr>
@@ -16121,7 +16105,7 @@
           <p:cNvPr id="26" name="TextBox 25">
             <a:extLst>
               <a:ext uri="{FF2B5EF4-FFF2-40B4-BE49-F238E27FC236}">
-                <a16:creationId xmlns:a16="http://schemas.microsoft.com/office/drawing/2014/main" xmlns="" id="{E96410B6-9344-4EAB-BDB5-DBFF3790EE66}"/>
+                <a16:creationId xmlns="" xmlns:a16="http://schemas.microsoft.com/office/drawing/2014/main" id="{E96410B6-9344-4EAB-BDB5-DBFF3790EE66}"/>
               </a:ext>
             </a:extLst>
           </p:cNvPr>
@@ -16174,7 +16158,7 @@
           <p:cNvPr id="13" name="TextBox 12">
             <a:extLst>
               <a:ext uri="{FF2B5EF4-FFF2-40B4-BE49-F238E27FC236}">
-                <a16:creationId xmlns:a16="http://schemas.microsoft.com/office/drawing/2014/main" xmlns="" id="{31BC7E1B-E497-4E0F-B8DE-97FB4409BF34}"/>
+                <a16:creationId xmlns="" xmlns:a16="http://schemas.microsoft.com/office/drawing/2014/main" id="{31BC7E1B-E497-4E0F-B8DE-97FB4409BF34}"/>
               </a:ext>
             </a:extLst>
           </p:cNvPr>
@@ -16227,7 +16211,7 @@
           <p:cNvPr id="9" name="TextBox 8">
             <a:extLst>
               <a:ext uri="{FF2B5EF4-FFF2-40B4-BE49-F238E27FC236}">
-                <a16:creationId xmlns:a16="http://schemas.microsoft.com/office/drawing/2014/main" xmlns="" id="{4705B5D9-C9DA-48B5-8B09-97CDFBDBC27C}"/>
+                <a16:creationId xmlns="" xmlns:a16="http://schemas.microsoft.com/office/drawing/2014/main" id="{4705B5D9-C9DA-48B5-8B09-97CDFBDBC27C}"/>
               </a:ext>
             </a:extLst>
           </p:cNvPr>
@@ -16306,7 +16290,7 @@
           <p:cNvPr id="3" name="그림 2" descr="실내, 욕실, 벽, 더러운이(가) 표시된 사진&#10;&#10;자동 생성된 설명">
             <a:extLst>
               <a:ext uri="{FF2B5EF4-FFF2-40B4-BE49-F238E27FC236}">
-                <a16:creationId xmlns:a16="http://schemas.microsoft.com/office/drawing/2014/main" xmlns="" id="{AFECCBD0-6909-42E3-949D-BED0DFD16189}"/>
+                <a16:creationId xmlns="" xmlns:a16="http://schemas.microsoft.com/office/drawing/2014/main" id="{AFECCBD0-6909-42E3-949D-BED0DFD16189}"/>
               </a:ext>
             </a:extLst>
           </p:cNvPr>
@@ -16319,7 +16303,7 @@
           <a:blip r:embed="rId3" cstate="print">
             <a:extLst>
               <a:ext uri="{28A0092B-C50C-407E-A947-70E740481C1C}">
-                <a14:useLocalDpi xmlns:a14="http://schemas.microsoft.com/office/drawing/2010/main" xmlns="" val="0"/>
+                <a14:useLocalDpi xmlns="" xmlns:a14="http://schemas.microsoft.com/office/drawing/2010/main" val="0"/>
               </a:ext>
             </a:extLst>
           </a:blip>
@@ -16342,7 +16326,7 @@
           <p:cNvPr id="5" name="그림 4" descr="실내, 벽, 더러운, 밀러이(가) 표시된 사진&#10;&#10;자동 생성된 설명">
             <a:extLst>
               <a:ext uri="{FF2B5EF4-FFF2-40B4-BE49-F238E27FC236}">
-                <a16:creationId xmlns:a16="http://schemas.microsoft.com/office/drawing/2014/main" xmlns="" id="{EBE34523-AB79-4F32-8E7B-80D34FE8A90C}"/>
+                <a16:creationId xmlns="" xmlns:a16="http://schemas.microsoft.com/office/drawing/2014/main" id="{EBE34523-AB79-4F32-8E7B-80D34FE8A90C}"/>
               </a:ext>
             </a:extLst>
           </p:cNvPr>
@@ -16355,7 +16339,7 @@
           <a:blip r:embed="rId4" cstate="print">
             <a:extLst>
               <a:ext uri="{28A0092B-C50C-407E-A947-70E740481C1C}">
-                <a14:useLocalDpi xmlns:a14="http://schemas.microsoft.com/office/drawing/2010/main" xmlns="" val="0"/>
+                <a14:useLocalDpi xmlns="" xmlns:a14="http://schemas.microsoft.com/office/drawing/2010/main" val="0"/>
               </a:ext>
             </a:extLst>
           </a:blip>
@@ -16378,7 +16362,7 @@
           <p:cNvPr id="7" name="그림 6" descr="밤하늘이(가) 표시된 사진&#10;&#10;자동 생성된 설명">
             <a:extLst>
               <a:ext uri="{FF2B5EF4-FFF2-40B4-BE49-F238E27FC236}">
-                <a16:creationId xmlns:a16="http://schemas.microsoft.com/office/drawing/2014/main" xmlns="" id="{1166E600-35E9-44CA-951B-E640BE8B47DA}"/>
+                <a16:creationId xmlns="" xmlns:a16="http://schemas.microsoft.com/office/drawing/2014/main" id="{1166E600-35E9-44CA-951B-E640BE8B47DA}"/>
               </a:ext>
             </a:extLst>
           </p:cNvPr>
@@ -16391,7 +16375,7 @@
           <a:blip r:embed="rId5" cstate="print">
             <a:extLst>
               <a:ext uri="{28A0092B-C50C-407E-A947-70E740481C1C}">
-                <a14:useLocalDpi xmlns:a14="http://schemas.microsoft.com/office/drawing/2010/main" xmlns="" val="0"/>
+                <a14:useLocalDpi xmlns="" xmlns:a14="http://schemas.microsoft.com/office/drawing/2010/main" val="0"/>
               </a:ext>
             </a:extLst>
           </a:blip>
@@ -16414,7 +16398,7 @@
           <p:cNvPr id="11" name="그림 10">
             <a:extLst>
               <a:ext uri="{FF2B5EF4-FFF2-40B4-BE49-F238E27FC236}">
-                <a16:creationId xmlns:a16="http://schemas.microsoft.com/office/drawing/2014/main" xmlns="" id="{9D13B579-4B75-4602-82A8-A70362A5DCFC}"/>
+                <a16:creationId xmlns="" xmlns:a16="http://schemas.microsoft.com/office/drawing/2014/main" id="{9D13B579-4B75-4602-82A8-A70362A5DCFC}"/>
               </a:ext>
             </a:extLst>
           </p:cNvPr>
@@ -16427,7 +16411,7 @@
           <a:blip r:embed="rId6" cstate="print">
             <a:extLst>
               <a:ext uri="{28A0092B-C50C-407E-A947-70E740481C1C}">
-                <a14:useLocalDpi xmlns:a14="http://schemas.microsoft.com/office/drawing/2010/main" xmlns="" val="0"/>
+                <a14:useLocalDpi xmlns="" xmlns:a14="http://schemas.microsoft.com/office/drawing/2010/main" val="0"/>
               </a:ext>
             </a:extLst>
           </a:blip>
@@ -16448,7 +16432,7 @@
     </p:spTree>
     <p:extLst>
       <p:ext uri="{BB962C8B-B14F-4D97-AF65-F5344CB8AC3E}">
-        <p14:creationId xmlns:p14="http://schemas.microsoft.com/office/powerpoint/2010/main" xmlns="" val="3933346573"/>
+        <p14:creationId xmlns="" xmlns:p14="http://schemas.microsoft.com/office/powerpoint/2010/main" val="3933346573"/>
       </p:ext>
     </p:extLst>
   </p:cSld>
@@ -16456,7 +16440,7 @@
     <a:masterClrMapping/>
   </p:clrMapOvr>
   <mc:AlternateContent xmlns:mc="http://schemas.openxmlformats.org/markup-compatibility/2006">
-    <mc:Choice xmlns:p14="http://schemas.microsoft.com/office/powerpoint/2010/main" xmlns="" Requires="p14">
+    <mc:Choice xmlns="" xmlns:p14="http://schemas.microsoft.com/office/powerpoint/2010/main" Requires="p14">
       <p:transition advTm="203"/>
     </mc:Choice>
     <mc:Fallback>
@@ -16789,7 +16773,7 @@
           <p:cNvPr id="21" name="TextBox 20">
             <a:extLst>
               <a:ext uri="{FF2B5EF4-FFF2-40B4-BE49-F238E27FC236}">
-                <a16:creationId xmlns:a16="http://schemas.microsoft.com/office/drawing/2014/main" xmlns="" id="{D4833B0C-7FF4-410D-9445-0DE408F03017}"/>
+                <a16:creationId xmlns="" xmlns:a16="http://schemas.microsoft.com/office/drawing/2014/main" id="{D4833B0C-7FF4-410D-9445-0DE408F03017}"/>
               </a:ext>
             </a:extLst>
           </p:cNvPr>
@@ -16886,7 +16870,7 @@
           <p:cNvPr id="16" name="TextBox 15">
             <a:extLst>
               <a:ext uri="{FF2B5EF4-FFF2-40B4-BE49-F238E27FC236}">
-                <a16:creationId xmlns:a16="http://schemas.microsoft.com/office/drawing/2014/main" xmlns="" id="{5A8DAB87-A04C-4364-9D1D-5619BD29FFD5}"/>
+                <a16:creationId xmlns="" xmlns:a16="http://schemas.microsoft.com/office/drawing/2014/main" id="{5A8DAB87-A04C-4364-9D1D-5619BD29FFD5}"/>
               </a:ext>
             </a:extLst>
           </p:cNvPr>
@@ -16947,7 +16931,7 @@
           <p:cNvPr id="37" name="그룹 36">
             <a:extLst>
               <a:ext uri="{FF2B5EF4-FFF2-40B4-BE49-F238E27FC236}">
-                <a16:creationId xmlns:a16="http://schemas.microsoft.com/office/drawing/2014/main" xmlns="" id="{816C8FE4-8084-4500-813E-2B02C17D8A11}"/>
+                <a16:creationId xmlns="" xmlns:a16="http://schemas.microsoft.com/office/drawing/2014/main" id="{816C8FE4-8084-4500-813E-2B02C17D8A11}"/>
               </a:ext>
             </a:extLst>
           </p:cNvPr>
@@ -16967,7 +16951,7 @@
             <p:cNvPr id="22" name="TextBox 21">
               <a:extLst>
                 <a:ext uri="{FF2B5EF4-FFF2-40B4-BE49-F238E27FC236}">
-                  <a16:creationId xmlns:a16="http://schemas.microsoft.com/office/drawing/2014/main" xmlns="" id="{A626305B-6992-4DC5-9EE1-3E5936755030}"/>
+                  <a16:creationId xmlns="" xmlns:a16="http://schemas.microsoft.com/office/drawing/2014/main" id="{A626305B-6992-4DC5-9EE1-3E5936755030}"/>
                 </a:ext>
               </a:extLst>
             </p:cNvPr>
@@ -17034,7 +17018,7 @@
             <p:cNvPr id="3" name="그림 2" descr="장치, 더러운, 밀러이(가) 표시된 사진&#10;&#10;자동 생성된 설명">
               <a:extLst>
                 <a:ext uri="{FF2B5EF4-FFF2-40B4-BE49-F238E27FC236}">
-                  <a16:creationId xmlns:a16="http://schemas.microsoft.com/office/drawing/2014/main" xmlns="" id="{9EF7705D-4C23-4227-A173-487CC6741227}"/>
+                  <a16:creationId xmlns="" xmlns:a16="http://schemas.microsoft.com/office/drawing/2014/main" id="{9EF7705D-4C23-4227-A173-487CC6741227}"/>
                 </a:ext>
               </a:extLst>
             </p:cNvPr>
@@ -17047,7 +17031,7 @@
             <a:blip r:embed="rId3" cstate="print">
               <a:extLst>
                 <a:ext uri="{28A0092B-C50C-407E-A947-70E740481C1C}">
-                  <a14:useLocalDpi xmlns:a14="http://schemas.microsoft.com/office/drawing/2010/main" xmlns="" val="0"/>
+                  <a14:useLocalDpi xmlns="" xmlns:a14="http://schemas.microsoft.com/office/drawing/2010/main" val="0"/>
                 </a:ext>
               </a:extLst>
             </a:blip>
@@ -17070,7 +17054,7 @@
             <p:cNvPr id="5" name="그림 4" descr="실내, 더러운, 밀러이(가) 표시된 사진&#10;&#10;자동 생성된 설명">
               <a:extLst>
                 <a:ext uri="{FF2B5EF4-FFF2-40B4-BE49-F238E27FC236}">
-                  <a16:creationId xmlns:a16="http://schemas.microsoft.com/office/drawing/2014/main" xmlns="" id="{ACE57025-5644-47C1-9AF8-F1592B0E3670}"/>
+                  <a16:creationId xmlns="" xmlns:a16="http://schemas.microsoft.com/office/drawing/2014/main" id="{ACE57025-5644-47C1-9AF8-F1592B0E3670}"/>
                 </a:ext>
               </a:extLst>
             </p:cNvPr>
@@ -17083,7 +17067,7 @@
             <a:blip r:embed="rId4" cstate="print">
               <a:extLst>
                 <a:ext uri="{28A0092B-C50C-407E-A947-70E740481C1C}">
-                  <a14:useLocalDpi xmlns:a14="http://schemas.microsoft.com/office/drawing/2010/main" xmlns="" val="0"/>
+                  <a14:useLocalDpi xmlns="" xmlns:a14="http://schemas.microsoft.com/office/drawing/2010/main" val="0"/>
                 </a:ext>
               </a:extLst>
             </a:blip>
@@ -17106,7 +17090,7 @@
             <p:cNvPr id="7" name="그림 6" descr="실내, 더러운, 밀러이(가) 표시된 사진&#10;&#10;자동 생성된 설명">
               <a:extLst>
                 <a:ext uri="{FF2B5EF4-FFF2-40B4-BE49-F238E27FC236}">
-                  <a16:creationId xmlns:a16="http://schemas.microsoft.com/office/drawing/2014/main" xmlns="" id="{5AD4A04B-3D0F-412C-BC3A-EDAABC4AE55D}"/>
+                  <a16:creationId xmlns="" xmlns:a16="http://schemas.microsoft.com/office/drawing/2014/main" id="{5AD4A04B-3D0F-412C-BC3A-EDAABC4AE55D}"/>
                 </a:ext>
               </a:extLst>
             </p:cNvPr>
@@ -17119,7 +17103,7 @@
             <a:blip r:embed="rId5" cstate="print">
               <a:extLst>
                 <a:ext uri="{28A0092B-C50C-407E-A947-70E740481C1C}">
-                  <a14:useLocalDpi xmlns:a14="http://schemas.microsoft.com/office/drawing/2010/main" xmlns="" val="0"/>
+                  <a14:useLocalDpi xmlns="" xmlns:a14="http://schemas.microsoft.com/office/drawing/2010/main" val="0"/>
                 </a:ext>
               </a:extLst>
             </a:blip>
@@ -17142,7 +17126,7 @@
             <p:cNvPr id="32" name="그림 31">
               <a:extLst>
                 <a:ext uri="{FF2B5EF4-FFF2-40B4-BE49-F238E27FC236}">
-                  <a16:creationId xmlns:a16="http://schemas.microsoft.com/office/drawing/2014/main" xmlns="" id="{6F646B22-252C-4319-BA54-5C4B5ACF70CD}"/>
+                  <a16:creationId xmlns="" xmlns:a16="http://schemas.microsoft.com/office/drawing/2014/main" id="{6F646B22-252C-4319-BA54-5C4B5ACF70CD}"/>
                 </a:ext>
               </a:extLst>
             </p:cNvPr>
@@ -17155,7 +17139,7 @@
             <a:blip r:embed="rId6" cstate="print">
               <a:extLst>
                 <a:ext uri="{28A0092B-C50C-407E-A947-70E740481C1C}">
-                  <a14:useLocalDpi xmlns:a14="http://schemas.microsoft.com/office/drawing/2010/main" xmlns="" val="0"/>
+                  <a14:useLocalDpi xmlns="" xmlns:a14="http://schemas.microsoft.com/office/drawing/2010/main" val="0"/>
                 </a:ext>
               </a:extLst>
             </a:blip>
@@ -17178,7 +17162,7 @@
             <p:cNvPr id="34" name="그림 33">
               <a:extLst>
                 <a:ext uri="{FF2B5EF4-FFF2-40B4-BE49-F238E27FC236}">
-                  <a16:creationId xmlns:a16="http://schemas.microsoft.com/office/drawing/2014/main" xmlns="" id="{D8DA65C4-4AF3-46C8-98F9-02DDCEE3842B}"/>
+                  <a16:creationId xmlns="" xmlns:a16="http://schemas.microsoft.com/office/drawing/2014/main" id="{D8DA65C4-4AF3-46C8-98F9-02DDCEE3842B}"/>
                 </a:ext>
               </a:extLst>
             </p:cNvPr>
@@ -17191,7 +17175,7 @@
             <a:blip r:embed="rId7" cstate="print">
               <a:extLst>
                 <a:ext uri="{28A0092B-C50C-407E-A947-70E740481C1C}">
-                  <a14:useLocalDpi xmlns:a14="http://schemas.microsoft.com/office/drawing/2010/main" xmlns="" val="0"/>
+                  <a14:useLocalDpi xmlns="" xmlns:a14="http://schemas.microsoft.com/office/drawing/2010/main" val="0"/>
                 </a:ext>
               </a:extLst>
             </a:blip>
@@ -17214,7 +17198,7 @@
             <p:cNvPr id="36" name="그림 35">
               <a:extLst>
                 <a:ext uri="{FF2B5EF4-FFF2-40B4-BE49-F238E27FC236}">
-                  <a16:creationId xmlns:a16="http://schemas.microsoft.com/office/drawing/2014/main" xmlns="" id="{DA00C6D5-B1D5-4D88-8196-7493863D540C}"/>
+                  <a16:creationId xmlns="" xmlns:a16="http://schemas.microsoft.com/office/drawing/2014/main" id="{DA00C6D5-B1D5-4D88-8196-7493863D540C}"/>
                 </a:ext>
               </a:extLst>
             </p:cNvPr>
@@ -17227,7 +17211,7 @@
             <a:blip r:embed="rId8" cstate="print">
               <a:extLst>
                 <a:ext uri="{28A0092B-C50C-407E-A947-70E740481C1C}">
-                  <a14:useLocalDpi xmlns:a14="http://schemas.microsoft.com/office/drawing/2010/main" xmlns="" val="0"/>
+                  <a14:useLocalDpi xmlns="" xmlns:a14="http://schemas.microsoft.com/office/drawing/2010/main" val="0"/>
                 </a:ext>
               </a:extLst>
             </a:blip>
@@ -17249,7 +17233,7 @@
     </p:spTree>
     <p:extLst>
       <p:ext uri="{BB962C8B-B14F-4D97-AF65-F5344CB8AC3E}">
-        <p14:creationId xmlns:p14="http://schemas.microsoft.com/office/powerpoint/2010/main" xmlns="" val="1764004047"/>
+        <p14:creationId xmlns="" xmlns:p14="http://schemas.microsoft.com/office/powerpoint/2010/main" val="1764004047"/>
       </p:ext>
     </p:extLst>
   </p:cSld>
@@ -17257,7 +17241,7 @@
     <a:masterClrMapping/>
   </p:clrMapOvr>
   <mc:AlternateContent xmlns:mc="http://schemas.openxmlformats.org/markup-compatibility/2006">
-    <mc:Choice xmlns:p14="http://schemas.microsoft.com/office/powerpoint/2010/main" xmlns="" Requires="p14">
+    <mc:Choice xmlns="" xmlns:p14="http://schemas.microsoft.com/office/powerpoint/2010/main" Requires="p14">
       <p:transition advTm="203"/>
     </mc:Choice>
     <mc:Fallback>
@@ -17590,7 +17574,7 @@
           <p:cNvPr id="21" name="TextBox 20">
             <a:extLst>
               <a:ext uri="{FF2B5EF4-FFF2-40B4-BE49-F238E27FC236}">
-                <a16:creationId xmlns:a16="http://schemas.microsoft.com/office/drawing/2014/main" xmlns="" id="{D4833B0C-7FF4-410D-9445-0DE408F03017}"/>
+                <a16:creationId xmlns="" xmlns:a16="http://schemas.microsoft.com/office/drawing/2014/main" id="{D4833B0C-7FF4-410D-9445-0DE408F03017}"/>
               </a:ext>
             </a:extLst>
           </p:cNvPr>
@@ -17705,7 +17689,7 @@
           <p:cNvPr id="5" name="그룹 4">
             <a:extLst>
               <a:ext uri="{FF2B5EF4-FFF2-40B4-BE49-F238E27FC236}">
-                <a16:creationId xmlns:a16="http://schemas.microsoft.com/office/drawing/2014/main" xmlns="" id="{198045B7-C6CD-46E3-A715-F0912492749D}"/>
+                <a16:creationId xmlns="" xmlns:a16="http://schemas.microsoft.com/office/drawing/2014/main" id="{198045B7-C6CD-46E3-A715-F0912492749D}"/>
               </a:ext>
             </a:extLst>
           </p:cNvPr>
@@ -17725,7 +17709,7 @@
             <p:cNvPr id="10" name="TextBox 9">
               <a:extLst>
                 <a:ext uri="{FF2B5EF4-FFF2-40B4-BE49-F238E27FC236}">
-                  <a16:creationId xmlns:a16="http://schemas.microsoft.com/office/drawing/2014/main" xmlns="" id="{EA11EFA8-4B32-4386-A51F-A2C022325B84}"/>
+                  <a16:creationId xmlns="" xmlns:a16="http://schemas.microsoft.com/office/drawing/2014/main" id="{EA11EFA8-4B32-4386-A51F-A2C022325B84}"/>
                 </a:ext>
               </a:extLst>
             </p:cNvPr>
@@ -17792,7 +17776,7 @@
             <p:cNvPr id="4" name="그룹 3">
               <a:extLst>
                 <a:ext uri="{FF2B5EF4-FFF2-40B4-BE49-F238E27FC236}">
-                  <a16:creationId xmlns:a16="http://schemas.microsoft.com/office/drawing/2014/main" xmlns="" id="{08167D57-9044-467F-9507-C01771FD9416}"/>
+                  <a16:creationId xmlns="" xmlns:a16="http://schemas.microsoft.com/office/drawing/2014/main" id="{08167D57-9044-467F-9507-C01771FD9416}"/>
                 </a:ext>
               </a:extLst>
             </p:cNvPr>
@@ -17812,7 +17796,7 @@
               <p:cNvPr id="3" name="그림 2">
                 <a:extLst>
                   <a:ext uri="{FF2B5EF4-FFF2-40B4-BE49-F238E27FC236}">
-                    <a16:creationId xmlns:a16="http://schemas.microsoft.com/office/drawing/2014/main" xmlns="" id="{1F93450E-98E1-4032-AF43-9C0B895A39B3}"/>
+                    <a16:creationId xmlns="" xmlns:a16="http://schemas.microsoft.com/office/drawing/2014/main" id="{1F93450E-98E1-4032-AF43-9C0B895A39B3}"/>
                   </a:ext>
                 </a:extLst>
               </p:cNvPr>
@@ -17841,7 +17825,7 @@
               <p:cNvPr id="14" name="그림 13">
                 <a:extLst>
                   <a:ext uri="{FF2B5EF4-FFF2-40B4-BE49-F238E27FC236}">
-                    <a16:creationId xmlns:a16="http://schemas.microsoft.com/office/drawing/2014/main" xmlns="" id="{158EF1D2-B19F-4B82-9AFD-C91A08EBCB5C}"/>
+                    <a16:creationId xmlns="" xmlns:a16="http://schemas.microsoft.com/office/drawing/2014/main" id="{158EF1D2-B19F-4B82-9AFD-C91A08EBCB5C}"/>
                   </a:ext>
                 </a:extLst>
               </p:cNvPr>
@@ -17872,7 +17856,7 @@
           <p:cNvPr id="16" name="그룹 15">
             <a:extLst>
               <a:ext uri="{FF2B5EF4-FFF2-40B4-BE49-F238E27FC236}">
-                <a16:creationId xmlns:a16="http://schemas.microsoft.com/office/drawing/2014/main" xmlns="" id="{A5DB493C-AE59-473A-9E4B-7118088C308E}"/>
+                <a16:creationId xmlns="" xmlns:a16="http://schemas.microsoft.com/office/drawing/2014/main" id="{A5DB493C-AE59-473A-9E4B-7118088C308E}"/>
               </a:ext>
             </a:extLst>
           </p:cNvPr>
@@ -17892,7 +17876,7 @@
             <p:cNvPr id="11" name="TextBox 10">
               <a:extLst>
                 <a:ext uri="{FF2B5EF4-FFF2-40B4-BE49-F238E27FC236}">
-                  <a16:creationId xmlns:a16="http://schemas.microsoft.com/office/drawing/2014/main" xmlns="" id="{502D388C-6485-4151-9A73-E257B7339549}"/>
+                  <a16:creationId xmlns="" xmlns:a16="http://schemas.microsoft.com/office/drawing/2014/main" id="{502D388C-6485-4151-9A73-E257B7339549}"/>
                 </a:ext>
               </a:extLst>
             </p:cNvPr>
@@ -17959,7 +17943,7 @@
             <p:cNvPr id="13" name="그룹 12">
               <a:extLst>
                 <a:ext uri="{FF2B5EF4-FFF2-40B4-BE49-F238E27FC236}">
-                  <a16:creationId xmlns:a16="http://schemas.microsoft.com/office/drawing/2014/main" xmlns="" id="{BD30160E-294B-49BA-9BDF-06FDEA3CAC6E}"/>
+                  <a16:creationId xmlns="" xmlns:a16="http://schemas.microsoft.com/office/drawing/2014/main" id="{BD30160E-294B-49BA-9BDF-06FDEA3CAC6E}"/>
                 </a:ext>
               </a:extLst>
             </p:cNvPr>
@@ -17979,7 +17963,7 @@
               <p:cNvPr id="7" name="그림 6">
                 <a:extLst>
                   <a:ext uri="{FF2B5EF4-FFF2-40B4-BE49-F238E27FC236}">
-                    <a16:creationId xmlns:a16="http://schemas.microsoft.com/office/drawing/2014/main" xmlns="" id="{69929E66-C76D-40AB-A02C-9323976AE82C}"/>
+                    <a16:creationId xmlns="" xmlns:a16="http://schemas.microsoft.com/office/drawing/2014/main" id="{69929E66-C76D-40AB-A02C-9323976AE82C}"/>
                   </a:ext>
                 </a:extLst>
               </p:cNvPr>
@@ -18008,7 +17992,7 @@
               <p:cNvPr id="19" name="그림 18">
                 <a:extLst>
                   <a:ext uri="{FF2B5EF4-FFF2-40B4-BE49-F238E27FC236}">
-                    <a16:creationId xmlns:a16="http://schemas.microsoft.com/office/drawing/2014/main" xmlns="" id="{A760EFC3-B000-4A8A-B33D-0F87987F69ED}"/>
+                    <a16:creationId xmlns="" xmlns:a16="http://schemas.microsoft.com/office/drawing/2014/main" id="{A760EFC3-B000-4A8A-B33D-0F87987F69ED}"/>
                   </a:ext>
                 </a:extLst>
               </p:cNvPr>
@@ -18039,7 +18023,7 @@
           <p:cNvPr id="22" name="TextBox 21">
             <a:extLst>
               <a:ext uri="{FF2B5EF4-FFF2-40B4-BE49-F238E27FC236}">
-                <a16:creationId xmlns:a16="http://schemas.microsoft.com/office/drawing/2014/main" xmlns="" id="{1DAA07A5-73D0-4B1A-BAB0-2F9B9DA0B10A}"/>
+                <a16:creationId xmlns="" xmlns:a16="http://schemas.microsoft.com/office/drawing/2014/main" id="{1DAA07A5-73D0-4B1A-BAB0-2F9B9DA0B10A}"/>
               </a:ext>
             </a:extLst>
           </p:cNvPr>
@@ -18384,7 +18368,7 @@
     </p:spTree>
     <p:extLst>
       <p:ext uri="{BB962C8B-B14F-4D97-AF65-F5344CB8AC3E}">
-        <p14:creationId xmlns:p14="http://schemas.microsoft.com/office/powerpoint/2010/main" xmlns="" val="3727665862"/>
+        <p14:creationId xmlns="" xmlns:p14="http://schemas.microsoft.com/office/powerpoint/2010/main" val="3727665862"/>
       </p:ext>
     </p:extLst>
   </p:cSld>
@@ -18392,7 +18376,7 @@
     <a:masterClrMapping/>
   </p:clrMapOvr>
   <mc:AlternateContent xmlns:mc="http://schemas.openxmlformats.org/markup-compatibility/2006">
-    <mc:Choice xmlns:p14="http://schemas.microsoft.com/office/powerpoint/2010/main" xmlns="" Requires="p14">
+    <mc:Choice xmlns="" xmlns:p14="http://schemas.microsoft.com/office/powerpoint/2010/main" Requires="p14">
       <p:transition advTm="203"/>
     </mc:Choice>
     <mc:Fallback>
@@ -18845,7 +18829,7 @@
     <a:masterClrMapping/>
   </p:clrMapOvr>
   <mc:AlternateContent xmlns:mc="http://schemas.openxmlformats.org/markup-compatibility/2006">
-    <mc:Choice xmlns:p14="http://schemas.microsoft.com/office/powerpoint/2010/main" xmlns="" Requires="p14">
+    <mc:Choice xmlns="" xmlns:p14="http://schemas.microsoft.com/office/powerpoint/2010/main" Requires="p14">
       <p:transition/>
     </mc:Choice>
     <mc:Fallback>
